--- a/outputs/legend_stud_paper.pptx
+++ b/outputs/legend_stud_paper.pptx
@@ -3108,10 +3108,10 @@
         </p:nvGrpSpPr>
         <p:grpSpPr>
           <a:xfrm>
-            <a:off x="2595563" y="1236663"/>
-            <a:ext cx="2371725" cy="2857500"/>
-            <a:chOff x="2595563" y="1236663"/>
-            <a:chExt cx="2371725" cy="2857500"/>
+            <a:off x="1471613" y="1408112"/>
+            <a:ext cx="4619625" cy="2514600"/>
+            <a:chOff x="1471613" y="1408112"/>
+            <a:chExt cx="4619625" cy="2514600"/>
           </a:xfrm>
         </p:grpSpPr>
         <p:sp>
@@ -3122,8 +3122,8 @@
           </p:nvSpPr>
           <p:spPr>
             <a:xfrm>
-              <a:off x="2595562" y="1236662"/>
-              <a:ext cx="2371724" cy="2857500"/>
+              <a:off x="1471612" y="1408112"/>
+              <a:ext cx="4619625" cy="2514600"/>
             </a:xfrm>
             <a:prstGeom prst="rect">
               <a:avLst/>
@@ -3157,8 +3157,8 @@
           </p:nvSpPr>
           <p:spPr>
             <a:xfrm>
-              <a:off x="3267075" y="1548575"/>
-              <a:ext cx="1024762" cy="103342"/>
+              <a:off x="3027302" y="1671688"/>
+              <a:ext cx="986153" cy="131105"/>
             </a:xfrm>
             <a:prstGeom prst="rect">
               <a:avLst/>
@@ -3190,101 +3190,79 @@
                   <a:latin typeface="Arial"/>
                   <a:cs typeface="Arial"/>
                 </a:rPr>
-                <a:t>Number of times</a:t>
+                <a:t>Type of citation:</a:t>
               </a:r>
             </a:p>
           </p:txBody>
         </p:sp>
         <p:sp>
           <p:nvSpPr>
-            <p:cNvPr id="5" name="tx5"/>
+            <p:cNvPr id="5" name="pt5"/>
             <p:cNvSpPr/>
             <p:nvPr/>
           </p:nvSpPr>
           <p:spPr>
             <a:xfrm>
-              <a:off x="3267075" y="1701156"/>
-              <a:ext cx="745362" cy="101637"/>
+              <a:off x="3064777" y="1931295"/>
+              <a:ext cx="144506" cy="144506"/>
             </a:xfrm>
-            <a:prstGeom prst="rect">
+            <a:prstGeom prst="ellipse">
               <a:avLst/>
             </a:prstGeom>
-            <a:noFill/>
+            <a:solidFill>
+              <a:srgbClr val="EE11EE">
+                <a:alpha val="100000"/>
+              </a:srgbClr>
+            </a:solidFill>
+            <a:ln w="9000" cap="rnd">
+              <a:solidFill>
+                <a:srgbClr val="EE11EE">
+                  <a:alpha val="100000"/>
+                </a:srgbClr>
+              </a:solidFill>
+              <a:prstDash val="solid"/>
+              <a:round/>
+            </a:ln>
           </p:spPr>
           <p:txBody>
-            <a:bodyPr lIns="0" rIns="0" tIns="0" bIns="0" anchorCtr="1" anchor="ctr" wrap="none"/>
+            <a:bodyPr/>
             <a:lstStyle/>
-            <a:p>
-              <a:pPr algn="l" marL="0" marR="0" indent="0">
-                <a:lnSpc>
-                  <a:spcPts val="1100"/>
-                </a:lnSpc>
-                <a:spcBef>
-                  <a:spcPts val="0"/>
-                </a:spcBef>
-                <a:spcAft>
-                  <a:spcPts val="0"/>
-                </a:spcAft>
-              </a:pPr>
-              <a:r>
-                <a:rPr sz="1100">
-                  <a:solidFill>
-                    <a:srgbClr val="000000">
-                      <a:alpha val="100000"/>
-                    </a:srgbClr>
-                  </a:solidFill>
-                  <a:latin typeface="Arial"/>
-                  <a:cs typeface="Arial"/>
-                </a:rPr>
-                <a:t>cited across</a:t>
-              </a:r>
-            </a:p>
+            <a:p/>
           </p:txBody>
         </p:sp>
         <p:sp>
           <p:nvSpPr>
-            <p:cNvPr id="6" name="tx6"/>
+            <p:cNvPr id="6" name="pt6"/>
             <p:cNvSpPr/>
             <p:nvPr/>
           </p:nvSpPr>
           <p:spPr>
             <a:xfrm>
-              <a:off x="3267075" y="1822564"/>
-              <a:ext cx="877490" cy="131105"/>
+              <a:off x="3064777" y="2150751"/>
+              <a:ext cx="144506" cy="144506"/>
             </a:xfrm>
-            <a:prstGeom prst="rect">
+            <a:prstGeom prst="ellipse">
               <a:avLst/>
             </a:prstGeom>
-            <a:noFill/>
+            <a:solidFill>
+              <a:srgbClr val="003865">
+                <a:alpha val="100000"/>
+              </a:srgbClr>
+            </a:solidFill>
+            <a:ln w="9000" cap="rnd">
+              <a:solidFill>
+                <a:srgbClr val="003865">
+                  <a:alpha val="100000"/>
+                </a:srgbClr>
+              </a:solidFill>
+              <a:prstDash val="solid"/>
+              <a:round/>
+            </a:ln>
           </p:spPr>
           <p:txBody>
-            <a:bodyPr lIns="0" rIns="0" tIns="0" bIns="0" anchorCtr="1" anchor="ctr" wrap="none"/>
+            <a:bodyPr/>
             <a:lstStyle/>
-            <a:p>
-              <a:pPr algn="l" marL="0" marR="0" indent="0">
-                <a:lnSpc>
-                  <a:spcPts val="1100"/>
-                </a:lnSpc>
-                <a:spcBef>
-                  <a:spcPts val="0"/>
-                </a:spcBef>
-                <a:spcAft>
-                  <a:spcPts val="0"/>
-                </a:spcAft>
-              </a:pPr>
-              <a:r>
-                <a:rPr sz="1100">
-                  <a:solidFill>
-                    <a:srgbClr val="000000">
-                      <a:alpha val="100000"/>
-                    </a:srgbClr>
-                  </a:solidFill>
-                  <a:latin typeface="Arial"/>
-                  <a:cs typeface="Arial"/>
-                </a:rPr>
-                <a:t>guidelines (n):</a:t>
-              </a:r>
-            </a:p>
+            <a:p/>
           </p:txBody>
         </p:sp>
         <p:sp>
@@ -3295,7 +3273,42 @@
           </p:nvSpPr>
           <p:spPr>
             <a:xfrm>
-              <a:off x="3304549" y="2082171"/>
+              <a:off x="3064777" y="2370207"/>
+              <a:ext cx="144506" cy="144506"/>
+            </a:xfrm>
+            <a:prstGeom prst="ellipse">
+              <a:avLst/>
+            </a:prstGeom>
+            <a:solidFill>
+              <a:srgbClr val="B06C96">
+                <a:alpha val="100000"/>
+              </a:srgbClr>
+            </a:solidFill>
+            <a:ln w="9000" cap="rnd">
+              <a:solidFill>
+                <a:srgbClr val="B06C96">
+                  <a:alpha val="100000"/>
+                </a:srgbClr>
+              </a:solidFill>
+              <a:prstDash val="solid"/>
+              <a:round/>
+            </a:ln>
+          </p:spPr>
+          <p:txBody>
+            <a:bodyPr/>
+            <a:lstStyle/>
+            <a:p/>
+          </p:txBody>
+        </p:sp>
+        <p:sp>
+          <p:nvSpPr>
+            <p:cNvPr id="8" name="pt8"/>
+            <p:cNvSpPr/>
+            <p:nvPr/>
+          </p:nvSpPr>
+          <p:spPr>
+            <a:xfrm>
+              <a:off x="3064777" y="2589663"/>
               <a:ext cx="144506" cy="144506"/>
             </a:xfrm>
             <a:prstGeom prst="ellipse">
@@ -3324,61 +3337,26 @@
         </p:sp>
         <p:sp>
           <p:nvSpPr>
-            <p:cNvPr id="8" name="pt8"/>
+            <p:cNvPr id="9" name="pt9"/>
             <p:cNvSpPr/>
             <p:nvPr/>
           </p:nvSpPr>
           <p:spPr>
             <a:xfrm>
-              <a:off x="3304549" y="2301627"/>
+              <a:off x="3064777" y="2809119"/>
               <a:ext cx="144506" cy="144506"/>
             </a:xfrm>
             <a:prstGeom prst="ellipse">
               <a:avLst/>
             </a:prstGeom>
             <a:solidFill>
-              <a:srgbClr val="00B5D1">
+              <a:srgbClr val="FFB948">
                 <a:alpha val="100000"/>
               </a:srgbClr>
             </a:solidFill>
             <a:ln w="9000" cap="rnd">
               <a:solidFill>
-                <a:srgbClr val="00B5D1">
-                  <a:alpha val="100000"/>
-                </a:srgbClr>
-              </a:solidFill>
-              <a:prstDash val="solid"/>
-              <a:round/>
-            </a:ln>
-          </p:spPr>
-          <p:txBody>
-            <a:bodyPr/>
-            <a:lstStyle/>
-            <a:p/>
-          </p:txBody>
-        </p:sp>
-        <p:sp>
-          <p:nvSpPr>
-            <p:cNvPr id="9" name="pt9"/>
-            <p:cNvSpPr/>
-            <p:nvPr/>
-          </p:nvSpPr>
-          <p:spPr>
-            <a:xfrm>
-              <a:off x="3304549" y="2521083"/>
-              <a:ext cx="144506" cy="144506"/>
-            </a:xfrm>
-            <a:prstGeom prst="ellipse">
-              <a:avLst/>
-            </a:prstGeom>
-            <a:solidFill>
-              <a:srgbClr val="B06C96">
-                <a:alpha val="100000"/>
-              </a:srgbClr>
-            </a:solidFill>
-            <a:ln w="9000" cap="rnd">
-              <a:solidFill>
-                <a:srgbClr val="B06C96">
+                <a:srgbClr val="FFB948">
                   <a:alpha val="100000"/>
                 </a:srgbClr>
               </a:solidFill>
@@ -3400,20 +3378,20 @@
           </p:nvSpPr>
           <p:spPr>
             <a:xfrm>
-              <a:off x="3304549" y="2740539"/>
+              <a:off x="3064777" y="3028575"/>
               <a:ext cx="144506" cy="144506"/>
             </a:xfrm>
             <a:prstGeom prst="ellipse">
               <a:avLst/>
             </a:prstGeom>
             <a:solidFill>
-              <a:srgbClr val="003865">
+              <a:srgbClr val="951272">
                 <a:alpha val="100000"/>
               </a:srgbClr>
             </a:solidFill>
             <a:ln w="9000" cap="rnd">
               <a:solidFill>
-                <a:srgbClr val="003865">
+                <a:srgbClr val="951272">
                   <a:alpha val="100000"/>
                 </a:srgbClr>
               </a:solidFill>
@@ -3435,7 +3413,7 @@
           </p:nvSpPr>
           <p:spPr>
             <a:xfrm>
-              <a:off x="3304549" y="2959995"/>
+              <a:off x="3064777" y="3248031"/>
               <a:ext cx="144506" cy="144506"/>
             </a:xfrm>
             <a:prstGeom prst="ellipse">
@@ -3470,20 +3448,20 @@
           </p:nvSpPr>
           <p:spPr>
             <a:xfrm>
-              <a:off x="3304549" y="3179451"/>
+              <a:off x="3064777" y="3467487"/>
               <a:ext cx="144506" cy="144506"/>
             </a:xfrm>
             <a:prstGeom prst="ellipse">
               <a:avLst/>
             </a:prstGeom>
             <a:solidFill>
-              <a:srgbClr val="951272">
+              <a:srgbClr val="00B5D1">
                 <a:alpha val="100000"/>
               </a:srgbClr>
             </a:solidFill>
             <a:ln w="9000" cap="rnd">
               <a:solidFill>
-                <a:srgbClr val="951272">
+                <a:srgbClr val="00B5D1">
                   <a:alpha val="100000"/>
                 </a:srgbClr>
               </a:solidFill>
@@ -3499,84 +3477,14 @@
         </p:sp>
         <p:sp>
           <p:nvSpPr>
-            <p:cNvPr id="13" name="pt13"/>
+            <p:cNvPr id="13" name="tx13"/>
             <p:cNvSpPr/>
             <p:nvPr/>
           </p:nvSpPr>
           <p:spPr>
             <a:xfrm>
-              <a:off x="3304549" y="3398907"/>
-              <a:ext cx="144506" cy="144506"/>
-            </a:xfrm>
-            <a:prstGeom prst="ellipse">
-              <a:avLst/>
-            </a:prstGeom>
-            <a:solidFill>
-              <a:srgbClr val="385A4F">
-                <a:alpha val="100000"/>
-              </a:srgbClr>
-            </a:solidFill>
-            <a:ln w="9000" cap="rnd">
-              <a:solidFill>
-                <a:srgbClr val="385A4F">
-                  <a:alpha val="100000"/>
-                </a:srgbClr>
-              </a:solidFill>
-              <a:prstDash val="solid"/>
-              <a:round/>
-            </a:ln>
-          </p:spPr>
-          <p:txBody>
-            <a:bodyPr/>
-            <a:lstStyle/>
-            <a:p/>
-          </p:txBody>
-        </p:sp>
-        <p:sp>
-          <p:nvSpPr>
-            <p:cNvPr id="14" name="pt14"/>
-            <p:cNvSpPr/>
-            <p:nvPr/>
-          </p:nvSpPr>
-          <p:spPr>
-            <a:xfrm>
-              <a:off x="3304549" y="3618363"/>
-              <a:ext cx="144506" cy="144506"/>
-            </a:xfrm>
-            <a:prstGeom prst="ellipse">
-              <a:avLst/>
-            </a:prstGeom>
-            <a:solidFill>
-              <a:srgbClr val="FFB948">
-                <a:alpha val="100000"/>
-              </a:srgbClr>
-            </a:solidFill>
-            <a:ln w="9000" cap="rnd">
-              <a:solidFill>
-                <a:srgbClr val="FFB948">
-                  <a:alpha val="100000"/>
-                </a:srgbClr>
-              </a:solidFill>
-              <a:prstDash val="solid"/>
-              <a:round/>
-            </a:ln>
-          </p:spPr>
-          <p:txBody>
-            <a:bodyPr/>
-            <a:lstStyle/>
-            <a:p/>
-          </p:txBody>
-        </p:sp>
-        <p:sp>
-          <p:nvSpPr>
-            <p:cNvPr id="15" name="tx15"/>
-            <p:cNvSpPr/>
-            <p:nvPr/>
-          </p:nvSpPr>
-          <p:spPr>
-            <a:xfrm>
-              <a:off x="3556120" y="2089540"/>
-              <a:ext cx="416262" cy="104884"/>
+              <a:off x="3316347" y="1938664"/>
+              <a:ext cx="763984" cy="104884"/>
             </a:xfrm>
             <a:prstGeom prst="rect">
               <a:avLst/>
@@ -3608,21 +3516,21 @@
                   <a:latin typeface="Arial"/>
                   <a:cs typeface="Arial"/>
                 </a:rPr>
-                <a:t>1 (2033)</a:t>
+                <a:t>Toxicology (33)</a:t>
               </a:r>
             </a:p>
           </p:txBody>
         </p:sp>
         <p:sp>
           <p:nvSpPr>
-            <p:cNvPr id="16" name="tx16"/>
+            <p:cNvPr id="14" name="tx14"/>
             <p:cNvSpPr/>
             <p:nvPr/>
           </p:nvSpPr>
           <p:spPr>
             <a:xfrm>
-              <a:off x="3556120" y="2308996"/>
-              <a:ext cx="354106" cy="104884"/>
+              <a:off x="3316347" y="2158120"/>
+              <a:ext cx="1130751" cy="104884"/>
             </a:xfrm>
             <a:prstGeom prst="rect">
               <a:avLst/>
@@ -3654,21 +3562,21 @@
                   <a:latin typeface="Arial"/>
                   <a:cs typeface="Arial"/>
                 </a:rPr>
-                <a:t>2 (200)</a:t>
+                <a:t>Longitudinal study (19)</a:t>
               </a:r>
             </a:p>
           </p:txBody>
         </p:sp>
         <p:sp>
           <p:nvSpPr>
-            <p:cNvPr id="17" name="tx17"/>
+            <p:cNvPr id="15" name="tx15"/>
             <p:cNvSpPr/>
             <p:nvPr/>
           </p:nvSpPr>
           <p:spPr>
             <a:xfrm>
-              <a:off x="3556120" y="2528452"/>
-              <a:ext cx="291951" cy="104884"/>
+              <a:off x="3316347" y="2377576"/>
+              <a:ext cx="1055935" cy="104884"/>
             </a:xfrm>
             <a:prstGeom prst="rect">
               <a:avLst/>
@@ -3700,21 +3608,21 @@
                   <a:latin typeface="Arial"/>
                   <a:cs typeface="Arial"/>
                 </a:rPr>
-                <a:t>3 (50)</a:t>
+                <a:t>Literature review (14)</a:t>
               </a:r>
             </a:p>
           </p:txBody>
         </p:sp>
         <p:sp>
           <p:nvSpPr>
-            <p:cNvPr id="18" name="tx18"/>
+            <p:cNvPr id="16" name="tx16"/>
             <p:cNvSpPr/>
             <p:nvPr/>
           </p:nvSpPr>
           <p:spPr>
             <a:xfrm>
-              <a:off x="3556120" y="2747908"/>
-              <a:ext cx="291951" cy="104884"/>
+              <a:off x="3316347" y="2597032"/>
+              <a:ext cx="999946" cy="104884"/>
             </a:xfrm>
             <a:prstGeom prst="rect">
               <a:avLst/>
@@ -3746,21 +3654,21 @@
                   <a:latin typeface="Arial"/>
                   <a:cs typeface="Arial"/>
                 </a:rPr>
-                <a:t>4 (29)</a:t>
+                <a:t>Cross-sectional (13)</a:t>
               </a:r>
             </a:p>
           </p:txBody>
         </p:sp>
         <p:sp>
           <p:nvSpPr>
-            <p:cNvPr id="19" name="tx19"/>
+            <p:cNvPr id="17" name="tx17"/>
             <p:cNvSpPr/>
             <p:nvPr/>
           </p:nvSpPr>
           <p:spPr>
             <a:xfrm>
-              <a:off x="3556120" y="2967364"/>
-              <a:ext cx="229795" cy="104884"/>
+              <a:off x="3316347" y="2816488"/>
+              <a:ext cx="1173807" cy="104884"/>
             </a:xfrm>
             <a:prstGeom prst="rect">
               <a:avLst/>
@@ -3792,21 +3700,21 @@
                   <a:latin typeface="Arial"/>
                   <a:cs typeface="Arial"/>
                 </a:rPr>
-                <a:t>5 (9)</a:t>
+                <a:t>Systematic Review (13)</a:t>
               </a:r>
             </a:p>
           </p:txBody>
         </p:sp>
         <p:sp>
           <p:nvSpPr>
-            <p:cNvPr id="20" name="tx20"/>
+            <p:cNvPr id="18" name="tx18"/>
             <p:cNvSpPr/>
             <p:nvPr/>
           </p:nvSpPr>
           <p:spPr>
             <a:xfrm>
-              <a:off x="3556120" y="3186820"/>
-              <a:ext cx="229795" cy="104884"/>
+              <a:off x="3316347" y="3035944"/>
+              <a:ext cx="397326" cy="104884"/>
             </a:xfrm>
             <a:prstGeom prst="rect">
               <a:avLst/>
@@ -3838,21 +3746,21 @@
                   <a:latin typeface="Arial"/>
                   <a:cs typeface="Arial"/>
                 </a:rPr>
-                <a:t>6 (6)</a:t>
+                <a:t>RCT (4)</a:t>
               </a:r>
             </a:p>
           </p:txBody>
         </p:sp>
         <p:sp>
           <p:nvSpPr>
-            <p:cNvPr id="21" name="tx21"/>
+            <p:cNvPr id="19" name="tx19"/>
             <p:cNvSpPr/>
             <p:nvPr/>
           </p:nvSpPr>
           <p:spPr>
             <a:xfrm>
-              <a:off x="3556120" y="3406276"/>
-              <a:ext cx="229795" cy="104884"/>
+              <a:off x="3316347" y="3255400"/>
+              <a:ext cx="987613" cy="104884"/>
             </a:xfrm>
             <a:prstGeom prst="rect">
               <a:avLst/>
@@ -3884,21 +3792,21 @@
                   <a:latin typeface="Arial"/>
                   <a:cs typeface="Arial"/>
                 </a:rPr>
-                <a:t>7 (2)</a:t>
+                <a:t>Policy document (2)</a:t>
               </a:r>
             </a:p>
           </p:txBody>
         </p:sp>
         <p:sp>
           <p:nvSpPr>
-            <p:cNvPr id="22" name="tx22"/>
+            <p:cNvPr id="20" name="tx20"/>
             <p:cNvSpPr/>
             <p:nvPr/>
           </p:nvSpPr>
           <p:spPr>
             <a:xfrm>
-              <a:off x="3556120" y="3625732"/>
-              <a:ext cx="229795" cy="104884"/>
+              <a:off x="3316347" y="3474856"/>
+              <a:ext cx="1030996" cy="104884"/>
             </a:xfrm>
             <a:prstGeom prst="rect">
               <a:avLst/>
@@ -3930,7 +3838,7 @@
                   <a:latin typeface="Arial"/>
                   <a:cs typeface="Arial"/>
                 </a:rPr>
-                <a:t>8 (1)</a:t>
+                <a:t>Forensic analysis (1)</a:t>
               </a:r>
             </a:p>
           </p:txBody>

--- a/outputs/legend_stud_paper.pptx
+++ b/outputs/legend_stud_paper.pptx
@@ -3108,10 +3108,10 @@
         </p:nvGrpSpPr>
         <p:grpSpPr>
           <a:xfrm>
-            <a:off x="1471613" y="1408112"/>
-            <a:ext cx="4619625" cy="2514600"/>
-            <a:chOff x="1471613" y="1408112"/>
-            <a:chExt cx="4619625" cy="2514600"/>
+            <a:off x="1471613" y="1374775"/>
+            <a:ext cx="4619625" cy="2581275"/>
+            <a:chOff x="1471613" y="1374775"/>
+            <a:chExt cx="4619625" cy="2581275"/>
           </a:xfrm>
         </p:grpSpPr>
         <p:sp>
@@ -3122,8 +3122,8 @@
           </p:nvSpPr>
           <p:spPr>
             <a:xfrm>
-              <a:off x="1471612" y="1408112"/>
-              <a:ext cx="4619625" cy="2514600"/>
+              <a:off x="1471612" y="1374775"/>
+              <a:ext cx="4619625" cy="2581274"/>
             </a:xfrm>
             <a:prstGeom prst="rect">
               <a:avLst/>

--- a/outputs/legend_stud_paper.pptx
+++ b/outputs/legend_stud_paper.pptx
@@ -4,8 +4,8 @@
   <p:sldMasterIdLst>
     <p:sldMasterId id="2147483648" r:id="rId1"/>
   </p:sldMasterIdLst>
-  <p:sldIdLst xmlns:a="http://schemas.openxmlformats.org/drawingml/2006/main" xmlns:r="http://schemas.openxmlformats.org/officeDocument/2006/relationships" xmlns:p="http://schemas.openxmlformats.org/presentationml/2006/main">
-    <p:sldId id="256" r:id="rId6"/>
+  <p:sldIdLst>
+    <p:sldId id="256" r:id="rId2"/>
   </p:sldIdLst>
   <p:sldSz cx="7562850" cy="5330825"/>
   <p:notesSz cx="6858000" cy="9144000"/>
@@ -104,7 +104,76 @@
       </a:defRPr>
     </a:lvl9pPr>
   </p:defaultTextStyle>
+  <p:extLst>
+    <p:ext uri="{EFAFB233-063F-42B5-8137-9DF3F51BA10A}">
+      <p15:sldGuideLst xmlns:p15="http://schemas.microsoft.com/office/powerpoint/2012/main">
+        <p15:guide id="1" orient="horz" pos="1679">
+          <p15:clr>
+            <a:srgbClr val="A4A3A4"/>
+          </p15:clr>
+        </p15:guide>
+        <p15:guide id="2" pos="2382">
+          <p15:clr>
+            <a:srgbClr val="A4A3A4"/>
+          </p15:clr>
+        </p15:guide>
+      </p15:sldGuideLst>
+    </p:ext>
+  </p:extLst>
 </p:presentation>
+</file>
+
+<file path=ppt/revisionInfo.xml><?xml version="1.0" encoding="utf-8"?>
+<p1510:revInfo xmlns:a="http://schemas.openxmlformats.org/drawingml/2006/main" xmlns:r="http://schemas.openxmlformats.org/officeDocument/2006/relationships" xmlns:p1510="http://schemas.microsoft.com/office/powerpoint/2015/10/main">
+  <p1510:revLst>
+    <p1510:client id="{94AE59C7-11FA-4EC7-91A0-DC22FDCCAF1B}" v="2" dt="2020-06-23T09:39:36.919"/>
+  </p1510:revLst>
+</p1510:revInfo>
+</file>
+
+<file path=ppt/changesInfos/changesInfo1.xml><?xml version="1.0" encoding="utf-8"?>
+<pc:chgInfo xmlns:a="http://schemas.openxmlformats.org/drawingml/2006/main" xmlns:r="http://schemas.openxmlformats.org/officeDocument/2006/relationships" xmlns:ac="http://schemas.microsoft.com/office/drawing/2013/main/command" xmlns:pc="http://schemas.microsoft.com/office/powerpoint/2013/main/command">
+  <pc:docChgLst>
+    <pc:chgData name="Andrew Baxter (PGR)" userId="b45e9002-b033-421d-a3d9-6d42475e9a3f" providerId="ADAL" clId="{94AE59C7-11FA-4EC7-91A0-DC22FDCCAF1B}"/>
+    <pc:docChg chg="undo custSel modSld">
+      <pc:chgData name="Andrew Baxter (PGR)" userId="b45e9002-b033-421d-a3d9-6d42475e9a3f" providerId="ADAL" clId="{94AE59C7-11FA-4EC7-91A0-DC22FDCCAF1B}" dt="2020-06-23T09:39:45.297" v="42" actId="478"/>
+      <pc:docMkLst>
+        <pc:docMk/>
+      </pc:docMkLst>
+      <pc:sldChg chg="addSp delSp modSp">
+        <pc:chgData name="Andrew Baxter (PGR)" userId="b45e9002-b033-421d-a3d9-6d42475e9a3f" providerId="ADAL" clId="{94AE59C7-11FA-4EC7-91A0-DC22FDCCAF1B}" dt="2020-06-23T09:39:45.297" v="42" actId="478"/>
+        <pc:sldMkLst>
+          <pc:docMk/>
+          <pc:sldMk cId="0" sldId="256"/>
+        </pc:sldMkLst>
+        <pc:spChg chg="del">
+          <ac:chgData name="Andrew Baxter (PGR)" userId="b45e9002-b033-421d-a3d9-6d42475e9a3f" providerId="ADAL" clId="{94AE59C7-11FA-4EC7-91A0-DC22FDCCAF1B}" dt="2020-06-23T09:38:30.762" v="24" actId="478"/>
+          <ac:spMkLst>
+            <pc:docMk/>
+            <pc:sldMk cId="0" sldId="256"/>
+            <ac:spMk id="3" creationId="{00000000-0000-0000-0000-000000000000}"/>
+          </ac:spMkLst>
+        </pc:spChg>
+        <pc:spChg chg="del mod">
+          <ac:chgData name="Andrew Baxter (PGR)" userId="b45e9002-b033-421d-a3d9-6d42475e9a3f" providerId="ADAL" clId="{94AE59C7-11FA-4EC7-91A0-DC22FDCCAF1B}" dt="2020-06-23T09:39:45.297" v="42" actId="478"/>
+          <ac:spMkLst>
+            <pc:docMk/>
+            <pc:sldMk cId="0" sldId="256"/>
+            <ac:spMk id="4" creationId="{00000000-0000-0000-0000-000000000000}"/>
+          </ac:spMkLst>
+        </pc:spChg>
+        <pc:spChg chg="add mod">
+          <ac:chgData name="Andrew Baxter (PGR)" userId="b45e9002-b033-421d-a3d9-6d42475e9a3f" providerId="ADAL" clId="{94AE59C7-11FA-4EC7-91A0-DC22FDCCAF1B}" dt="2020-06-23T09:39:43.260" v="41" actId="1076"/>
+          <ac:spMkLst>
+            <pc:docMk/>
+            <pc:sldMk cId="0" sldId="256"/>
+            <ac:spMk id="21" creationId="{8EB172FE-6387-48A9-BA81-5DC0B8E654D4}"/>
+          </ac:spMkLst>
+        </pc:spChg>
+      </pc:sldChg>
+    </pc:docChg>
+  </pc:docChgLst>
+</pc:chgInfo>
 </file>
 
 <file path=ppt/slideLayouts/slideLayout1.xml><?xml version="1.0" encoding="utf-8"?>
@@ -145,7 +214,7 @@
           <a:lstStyle/>
           <a:p>
             <a:r>
-              <a:rPr lang="en-US" smtClean="0"/>
+              <a:rPr lang="en-US"/>
               <a:t>Click to edit Master title style</a:t>
             </a:r>
             <a:endParaRPr lang="en-GB"/>
@@ -264,7 +333,7 @@
           </a:lstStyle>
           <a:p>
             <a:r>
-              <a:rPr lang="en-US" smtClean="0"/>
+              <a:rPr lang="en-US"/>
               <a:t>Click to edit Master subtitle style</a:t>
             </a:r>
             <a:endParaRPr lang="en-GB"/>
@@ -288,7 +357,7 @@
           <a:p>
             <a:fld id="{6BA5D40C-A8DC-479A-A5D3-E7B4936A184B}" type="datetimeFigureOut">
               <a:rPr lang="en-GB" smtClean="0"/>
-              <a:t>15/07/2015</a:t>
+              <a:t>23/06/2020</a:t>
             </a:fld>
             <a:endParaRPr lang="en-GB"/>
           </a:p>
@@ -382,7 +451,7 @@
           <a:lstStyle/>
           <a:p>
             <a:r>
-              <a:rPr lang="en-US" smtClean="0"/>
+              <a:rPr lang="en-US"/>
               <a:t>Click to edit Master title style</a:t>
             </a:r>
             <a:endParaRPr lang="en-GB"/>
@@ -406,35 +475,35 @@
           <a:p>
             <a:pPr lvl="0"/>
             <a:r>
-              <a:rPr lang="en-US" smtClean="0"/>
+              <a:rPr lang="en-US"/>
               <a:t>Click to edit Master text styles</a:t>
             </a:r>
           </a:p>
           <a:p>
             <a:pPr lvl="1"/>
             <a:r>
-              <a:rPr lang="en-US" smtClean="0"/>
+              <a:rPr lang="en-US"/>
               <a:t>Second level</a:t>
             </a:r>
           </a:p>
           <a:p>
             <a:pPr lvl="2"/>
             <a:r>
-              <a:rPr lang="en-US" smtClean="0"/>
+              <a:rPr lang="en-US"/>
               <a:t>Third level</a:t>
             </a:r>
           </a:p>
           <a:p>
             <a:pPr lvl="3"/>
             <a:r>
-              <a:rPr lang="en-US" smtClean="0"/>
+              <a:rPr lang="en-US"/>
               <a:t>Fourth level</a:t>
             </a:r>
           </a:p>
           <a:p>
             <a:pPr lvl="4"/>
             <a:r>
-              <a:rPr lang="en-US" smtClean="0"/>
+              <a:rPr lang="en-US"/>
               <a:t>Fifth level</a:t>
             </a:r>
             <a:endParaRPr lang="en-GB"/>
@@ -458,7 +527,7 @@
           <a:p>
             <a:fld id="{6BA5D40C-A8DC-479A-A5D3-E7B4936A184B}" type="datetimeFigureOut">
               <a:rPr lang="en-GB" smtClean="0"/>
-              <a:t>15/07/2015</a:t>
+              <a:t>23/06/2020</a:t>
             </a:fld>
             <a:endParaRPr lang="en-GB"/>
           </a:p>
@@ -557,7 +626,7 @@
           <a:lstStyle/>
           <a:p>
             <a:r>
-              <a:rPr lang="en-US" smtClean="0"/>
+              <a:rPr lang="en-US"/>
               <a:t>Click to edit Master title style</a:t>
             </a:r>
             <a:endParaRPr lang="en-GB"/>
@@ -586,35 +655,35 @@
           <a:p>
             <a:pPr lvl="0"/>
             <a:r>
-              <a:rPr lang="en-US" smtClean="0"/>
+              <a:rPr lang="en-US"/>
               <a:t>Click to edit Master text styles</a:t>
             </a:r>
           </a:p>
           <a:p>
             <a:pPr lvl="1"/>
             <a:r>
-              <a:rPr lang="en-US" smtClean="0"/>
+              <a:rPr lang="en-US"/>
               <a:t>Second level</a:t>
             </a:r>
           </a:p>
           <a:p>
             <a:pPr lvl="2"/>
             <a:r>
-              <a:rPr lang="en-US" smtClean="0"/>
+              <a:rPr lang="en-US"/>
               <a:t>Third level</a:t>
             </a:r>
           </a:p>
           <a:p>
             <a:pPr lvl="3"/>
             <a:r>
-              <a:rPr lang="en-US" smtClean="0"/>
+              <a:rPr lang="en-US"/>
               <a:t>Fourth level</a:t>
             </a:r>
           </a:p>
           <a:p>
             <a:pPr lvl="4"/>
             <a:r>
-              <a:rPr lang="en-US" smtClean="0"/>
+              <a:rPr lang="en-US"/>
               <a:t>Fifth level</a:t>
             </a:r>
             <a:endParaRPr lang="en-GB"/>
@@ -638,7 +707,7 @@
           <a:p>
             <a:fld id="{6BA5D40C-A8DC-479A-A5D3-E7B4936A184B}" type="datetimeFigureOut">
               <a:rPr lang="en-GB" smtClean="0"/>
-              <a:t>15/07/2015</a:t>
+              <a:t>23/06/2020</a:t>
             </a:fld>
             <a:endParaRPr lang="en-GB"/>
           </a:p>
@@ -732,7 +801,7 @@
           <a:lstStyle/>
           <a:p>
             <a:r>
-              <a:rPr lang="en-US" smtClean="0"/>
+              <a:rPr lang="en-US"/>
               <a:t>Click to edit Master title style</a:t>
             </a:r>
             <a:endParaRPr lang="en-GB"/>
@@ -756,35 +825,35 @@
           <a:p>
             <a:pPr lvl="0"/>
             <a:r>
-              <a:rPr lang="en-US" smtClean="0"/>
+              <a:rPr lang="en-US"/>
               <a:t>Click to edit Master text styles</a:t>
             </a:r>
           </a:p>
           <a:p>
             <a:pPr lvl="1"/>
             <a:r>
-              <a:rPr lang="en-US" smtClean="0"/>
+              <a:rPr lang="en-US"/>
               <a:t>Second level</a:t>
             </a:r>
           </a:p>
           <a:p>
             <a:pPr lvl="2"/>
             <a:r>
-              <a:rPr lang="en-US" smtClean="0"/>
+              <a:rPr lang="en-US"/>
               <a:t>Third level</a:t>
             </a:r>
           </a:p>
           <a:p>
             <a:pPr lvl="3"/>
             <a:r>
-              <a:rPr lang="en-US" smtClean="0"/>
+              <a:rPr lang="en-US"/>
               <a:t>Fourth level</a:t>
             </a:r>
           </a:p>
           <a:p>
             <a:pPr lvl="4"/>
             <a:r>
-              <a:rPr lang="en-US" smtClean="0"/>
+              <a:rPr lang="en-US"/>
               <a:t>Fifth level</a:t>
             </a:r>
             <a:endParaRPr lang="en-GB"/>
@@ -808,7 +877,7 @@
           <a:p>
             <a:fld id="{6BA5D40C-A8DC-479A-A5D3-E7B4936A184B}" type="datetimeFigureOut">
               <a:rPr lang="en-GB" smtClean="0"/>
-              <a:t>15/07/2015</a:t>
+              <a:t>23/06/2020</a:t>
             </a:fld>
             <a:endParaRPr lang="en-GB"/>
           </a:p>
@@ -911,7 +980,7 @@
           </a:lstStyle>
           <a:p>
             <a:r>
-              <a:rPr lang="en-US" smtClean="0"/>
+              <a:rPr lang="en-US"/>
               <a:t>Click to edit Master title style</a:t>
             </a:r>
             <a:endParaRPr lang="en-GB"/>
@@ -1031,7 +1100,7 @@
           <a:p>
             <a:pPr lvl="0"/>
             <a:r>
-              <a:rPr lang="en-US" smtClean="0"/>
+              <a:rPr lang="en-US"/>
               <a:t>Click to edit Master text styles</a:t>
             </a:r>
           </a:p>
@@ -1054,7 +1123,7 @@
           <a:p>
             <a:fld id="{6BA5D40C-A8DC-479A-A5D3-E7B4936A184B}" type="datetimeFigureOut">
               <a:rPr lang="en-GB" smtClean="0"/>
-              <a:t>15/07/2015</a:t>
+              <a:t>23/06/2020</a:t>
             </a:fld>
             <a:endParaRPr lang="en-GB"/>
           </a:p>
@@ -1148,7 +1217,7 @@
           <a:lstStyle/>
           <a:p>
             <a:r>
-              <a:rPr lang="en-US" smtClean="0"/>
+              <a:rPr lang="en-US"/>
               <a:t>Click to edit Master title style</a:t>
             </a:r>
             <a:endParaRPr lang="en-GB"/>
@@ -1205,35 +1274,35 @@
           <a:p>
             <a:pPr lvl="0"/>
             <a:r>
-              <a:rPr lang="en-US" smtClean="0"/>
+              <a:rPr lang="en-US"/>
               <a:t>Click to edit Master text styles</a:t>
             </a:r>
           </a:p>
           <a:p>
             <a:pPr lvl="1"/>
             <a:r>
-              <a:rPr lang="en-US" smtClean="0"/>
+              <a:rPr lang="en-US"/>
               <a:t>Second level</a:t>
             </a:r>
           </a:p>
           <a:p>
             <a:pPr lvl="2"/>
             <a:r>
-              <a:rPr lang="en-US" smtClean="0"/>
+              <a:rPr lang="en-US"/>
               <a:t>Third level</a:t>
             </a:r>
           </a:p>
           <a:p>
             <a:pPr lvl="3"/>
             <a:r>
-              <a:rPr lang="en-US" smtClean="0"/>
+              <a:rPr lang="en-US"/>
               <a:t>Fourth level</a:t>
             </a:r>
           </a:p>
           <a:p>
             <a:pPr lvl="4"/>
             <a:r>
-              <a:rPr lang="en-US" smtClean="0"/>
+              <a:rPr lang="en-US"/>
               <a:t>Fifth level</a:t>
             </a:r>
             <a:endParaRPr lang="en-GB"/>
@@ -1290,35 +1359,35 @@
           <a:p>
             <a:pPr lvl="0"/>
             <a:r>
-              <a:rPr lang="en-US" smtClean="0"/>
+              <a:rPr lang="en-US"/>
               <a:t>Click to edit Master text styles</a:t>
             </a:r>
           </a:p>
           <a:p>
             <a:pPr lvl="1"/>
             <a:r>
-              <a:rPr lang="en-US" smtClean="0"/>
+              <a:rPr lang="en-US"/>
               <a:t>Second level</a:t>
             </a:r>
           </a:p>
           <a:p>
             <a:pPr lvl="2"/>
             <a:r>
-              <a:rPr lang="en-US" smtClean="0"/>
+              <a:rPr lang="en-US"/>
               <a:t>Third level</a:t>
             </a:r>
           </a:p>
           <a:p>
             <a:pPr lvl="3"/>
             <a:r>
-              <a:rPr lang="en-US" smtClean="0"/>
+              <a:rPr lang="en-US"/>
               <a:t>Fourth level</a:t>
             </a:r>
           </a:p>
           <a:p>
             <a:pPr lvl="4"/>
             <a:r>
-              <a:rPr lang="en-US" smtClean="0"/>
+              <a:rPr lang="en-US"/>
               <a:t>Fifth level</a:t>
             </a:r>
             <a:endParaRPr lang="en-GB"/>
@@ -1342,7 +1411,7 @@
           <a:p>
             <a:fld id="{6BA5D40C-A8DC-479A-A5D3-E7B4936A184B}" type="datetimeFigureOut">
               <a:rPr lang="en-GB" smtClean="0"/>
-              <a:t>15/07/2015</a:t>
+              <a:t>23/06/2020</a:t>
             </a:fld>
             <a:endParaRPr lang="en-GB"/>
           </a:p>
@@ -1445,7 +1514,7 @@
           </a:lstStyle>
           <a:p>
             <a:r>
-              <a:rPr lang="en-US" smtClean="0"/>
+              <a:rPr lang="en-US"/>
               <a:t>Click to edit Master title style</a:t>
             </a:r>
             <a:endParaRPr lang="en-GB"/>
@@ -1511,7 +1580,7 @@
           <a:p>
             <a:pPr lvl="0"/>
             <a:r>
-              <a:rPr lang="en-US" smtClean="0"/>
+              <a:rPr lang="en-US"/>
               <a:t>Click to edit Master text styles</a:t>
             </a:r>
           </a:p>
@@ -1567,35 +1636,35 @@
           <a:p>
             <a:pPr lvl="0"/>
             <a:r>
-              <a:rPr lang="en-US" smtClean="0"/>
+              <a:rPr lang="en-US"/>
               <a:t>Click to edit Master text styles</a:t>
             </a:r>
           </a:p>
           <a:p>
             <a:pPr lvl="1"/>
             <a:r>
-              <a:rPr lang="en-US" smtClean="0"/>
+              <a:rPr lang="en-US"/>
               <a:t>Second level</a:t>
             </a:r>
           </a:p>
           <a:p>
             <a:pPr lvl="2"/>
             <a:r>
-              <a:rPr lang="en-US" smtClean="0"/>
+              <a:rPr lang="en-US"/>
               <a:t>Third level</a:t>
             </a:r>
           </a:p>
           <a:p>
             <a:pPr lvl="3"/>
             <a:r>
-              <a:rPr lang="en-US" smtClean="0"/>
+              <a:rPr lang="en-US"/>
               <a:t>Fourth level</a:t>
             </a:r>
           </a:p>
           <a:p>
             <a:pPr lvl="4"/>
             <a:r>
-              <a:rPr lang="en-US" smtClean="0"/>
+              <a:rPr lang="en-US"/>
               <a:t>Fifth level</a:t>
             </a:r>
             <a:endParaRPr lang="en-GB"/>
@@ -1661,7 +1730,7 @@
           <a:p>
             <a:pPr lvl="0"/>
             <a:r>
-              <a:rPr lang="en-US" smtClean="0"/>
+              <a:rPr lang="en-US"/>
               <a:t>Click to edit Master text styles</a:t>
             </a:r>
           </a:p>
@@ -1717,35 +1786,35 @@
           <a:p>
             <a:pPr lvl="0"/>
             <a:r>
-              <a:rPr lang="en-US" smtClean="0"/>
+              <a:rPr lang="en-US"/>
               <a:t>Click to edit Master text styles</a:t>
             </a:r>
           </a:p>
           <a:p>
             <a:pPr lvl="1"/>
             <a:r>
-              <a:rPr lang="en-US" smtClean="0"/>
+              <a:rPr lang="en-US"/>
               <a:t>Second level</a:t>
             </a:r>
           </a:p>
           <a:p>
             <a:pPr lvl="2"/>
             <a:r>
-              <a:rPr lang="en-US" smtClean="0"/>
+              <a:rPr lang="en-US"/>
               <a:t>Third level</a:t>
             </a:r>
           </a:p>
           <a:p>
             <a:pPr lvl="3"/>
             <a:r>
-              <a:rPr lang="en-US" smtClean="0"/>
+              <a:rPr lang="en-US"/>
               <a:t>Fourth level</a:t>
             </a:r>
           </a:p>
           <a:p>
             <a:pPr lvl="4"/>
             <a:r>
-              <a:rPr lang="en-US" smtClean="0"/>
+              <a:rPr lang="en-US"/>
               <a:t>Fifth level</a:t>
             </a:r>
             <a:endParaRPr lang="en-GB"/>
@@ -1769,7 +1838,7 @@
           <a:p>
             <a:fld id="{6BA5D40C-A8DC-479A-A5D3-E7B4936A184B}" type="datetimeFigureOut">
               <a:rPr lang="en-GB" smtClean="0"/>
-              <a:t>15/07/2015</a:t>
+              <a:t>23/06/2020</a:t>
             </a:fld>
             <a:endParaRPr lang="en-GB"/>
           </a:p>
@@ -1863,7 +1932,7 @@
           <a:lstStyle/>
           <a:p>
             <a:r>
-              <a:rPr lang="en-US" smtClean="0"/>
+              <a:rPr lang="en-US"/>
               <a:t>Click to edit Master title style</a:t>
             </a:r>
             <a:endParaRPr lang="en-GB"/>
@@ -1887,7 +1956,7 @@
           <a:p>
             <a:fld id="{6BA5D40C-A8DC-479A-A5D3-E7B4936A184B}" type="datetimeFigureOut">
               <a:rPr lang="en-GB" smtClean="0"/>
-              <a:t>15/07/2015</a:t>
+              <a:t>23/06/2020</a:t>
             </a:fld>
             <a:endParaRPr lang="en-GB"/>
           </a:p>
@@ -1982,7 +2051,7 @@
           <a:p>
             <a:fld id="{6BA5D40C-A8DC-479A-A5D3-E7B4936A184B}" type="datetimeFigureOut">
               <a:rPr lang="en-GB" smtClean="0"/>
-              <a:t>15/07/2015</a:t>
+              <a:t>23/06/2020</a:t>
             </a:fld>
             <a:endParaRPr lang="en-GB"/>
           </a:p>
@@ -2085,7 +2154,7 @@
           </a:lstStyle>
           <a:p>
             <a:r>
-              <a:rPr lang="en-US" smtClean="0"/>
+              <a:rPr lang="en-US"/>
               <a:t>Click to edit Master title style</a:t>
             </a:r>
             <a:endParaRPr lang="en-GB"/>
@@ -2142,35 +2211,35 @@
           <a:p>
             <a:pPr lvl="0"/>
             <a:r>
-              <a:rPr lang="en-US" smtClean="0"/>
+              <a:rPr lang="en-US"/>
               <a:t>Click to edit Master text styles</a:t>
             </a:r>
           </a:p>
           <a:p>
             <a:pPr lvl="1"/>
             <a:r>
-              <a:rPr lang="en-US" smtClean="0"/>
+              <a:rPr lang="en-US"/>
               <a:t>Second level</a:t>
             </a:r>
           </a:p>
           <a:p>
             <a:pPr lvl="2"/>
             <a:r>
-              <a:rPr lang="en-US" smtClean="0"/>
+              <a:rPr lang="en-US"/>
               <a:t>Third level</a:t>
             </a:r>
           </a:p>
           <a:p>
             <a:pPr lvl="3"/>
             <a:r>
-              <a:rPr lang="en-US" smtClean="0"/>
+              <a:rPr lang="en-US"/>
               <a:t>Fourth level</a:t>
             </a:r>
           </a:p>
           <a:p>
             <a:pPr lvl="4"/>
             <a:r>
-              <a:rPr lang="en-US" smtClean="0"/>
+              <a:rPr lang="en-US"/>
               <a:t>Fifth level</a:t>
             </a:r>
             <a:endParaRPr lang="en-GB"/>
@@ -2236,7 +2305,7 @@
           <a:p>
             <a:pPr lvl="0"/>
             <a:r>
-              <a:rPr lang="en-US" smtClean="0"/>
+              <a:rPr lang="en-US"/>
               <a:t>Click to edit Master text styles</a:t>
             </a:r>
           </a:p>
@@ -2259,7 +2328,7 @@
           <a:p>
             <a:fld id="{6BA5D40C-A8DC-479A-A5D3-E7B4936A184B}" type="datetimeFigureOut">
               <a:rPr lang="en-GB" smtClean="0"/>
-              <a:t>15/07/2015</a:t>
+              <a:t>23/06/2020</a:t>
             </a:fld>
             <a:endParaRPr lang="en-GB"/>
           </a:p>
@@ -2362,7 +2431,7 @@
           </a:lstStyle>
           <a:p>
             <a:r>
-              <a:rPr lang="en-US" smtClean="0"/>
+              <a:rPr lang="en-US"/>
               <a:t>Click to edit Master title style</a:t>
             </a:r>
             <a:endParaRPr lang="en-GB"/>
@@ -2489,7 +2558,7 @@
           <a:p>
             <a:pPr lvl="0"/>
             <a:r>
-              <a:rPr lang="en-US" smtClean="0"/>
+              <a:rPr lang="en-US"/>
               <a:t>Click to edit Master text styles</a:t>
             </a:r>
           </a:p>
@@ -2512,7 +2581,7 @@
           <a:p>
             <a:fld id="{6BA5D40C-A8DC-479A-A5D3-E7B4936A184B}" type="datetimeFigureOut">
               <a:rPr lang="en-GB" smtClean="0"/>
-              <a:t>15/07/2015</a:t>
+              <a:t>23/06/2020</a:t>
             </a:fld>
             <a:endParaRPr lang="en-GB"/>
           </a:p>
@@ -2621,7 +2690,7 @@
           <a:lstStyle/>
           <a:p>
             <a:r>
-              <a:rPr lang="en-US" smtClean="0"/>
+              <a:rPr lang="en-US"/>
               <a:t>Click to edit Master title style</a:t>
             </a:r>
             <a:endParaRPr lang="en-GB"/>
@@ -2655,35 +2724,35 @@
           <a:p>
             <a:pPr lvl="0"/>
             <a:r>
-              <a:rPr lang="en-US" smtClean="0"/>
+              <a:rPr lang="en-US"/>
               <a:t>Click to edit Master text styles</a:t>
             </a:r>
           </a:p>
           <a:p>
             <a:pPr lvl="1"/>
             <a:r>
-              <a:rPr lang="en-US" smtClean="0"/>
+              <a:rPr lang="en-US"/>
               <a:t>Second level</a:t>
             </a:r>
           </a:p>
           <a:p>
             <a:pPr lvl="2"/>
             <a:r>
-              <a:rPr lang="en-US" smtClean="0"/>
+              <a:rPr lang="en-US"/>
               <a:t>Third level</a:t>
             </a:r>
           </a:p>
           <a:p>
             <a:pPr lvl="3"/>
             <a:r>
-              <a:rPr lang="en-US" smtClean="0"/>
+              <a:rPr lang="en-US"/>
               <a:t>Fourth level</a:t>
             </a:r>
           </a:p>
           <a:p>
             <a:pPr lvl="4"/>
             <a:r>
-              <a:rPr lang="en-US" smtClean="0"/>
+              <a:rPr lang="en-US"/>
               <a:t>Fifth level</a:t>
             </a:r>
             <a:endParaRPr lang="en-GB"/>
@@ -2725,7 +2794,7 @@
           <a:p>
             <a:fld id="{6BA5D40C-A8DC-479A-A5D3-E7B4936A184B}" type="datetimeFigureOut">
               <a:rPr lang="en-GB" smtClean="0"/>
-              <a:t>15/07/2015</a:t>
+              <a:t>23/06/2020</a:t>
             </a:fld>
             <a:endParaRPr lang="en-GB"/>
           </a:p>
@@ -3100,101 +3169,20 @@
           <a:chExt cx="0" cy="0"/>
         </a:xfrm>
       </p:grpSpPr>
-      <p:grpSp xmlns:a="http://schemas.openxmlformats.org/drawingml/2006/main" xmlns:r="http://schemas.openxmlformats.org/officeDocument/2006/relationships" xmlns:p="http://schemas.openxmlformats.org/presentationml/2006/main" xmlns:pic="http://schemas.openxmlformats.org/drawingml/2006/picture">
+      <p:grpSp>
         <p:nvGrpSpPr>
-          <p:cNvPr id="2" name=""/>
+          <p:cNvPr id="2" name="Group 1"/>
           <p:cNvGrpSpPr/>
           <p:nvPr/>
         </p:nvGrpSpPr>
         <p:grpSpPr>
           <a:xfrm>
-            <a:off x="1471613" y="1374775"/>
-            <a:ext cx="4619625" cy="2581275"/>
-            <a:chOff x="1471613" y="1374775"/>
-            <a:chExt cx="4619625" cy="2581275"/>
+            <a:off x="3064777" y="1931295"/>
+            <a:ext cx="1425377" cy="1680698"/>
+            <a:chOff x="3064777" y="1931295"/>
+            <a:chExt cx="1425377" cy="1680698"/>
           </a:xfrm>
         </p:grpSpPr>
-        <p:sp>
-          <p:nvSpPr>
-            <p:cNvPr id="3" name="rc3"/>
-            <p:cNvSpPr/>
-            <p:nvPr/>
-          </p:nvSpPr>
-          <p:spPr>
-            <a:xfrm>
-              <a:off x="1471612" y="1374775"/>
-              <a:ext cx="4619625" cy="2581274"/>
-            </a:xfrm>
-            <a:prstGeom prst="rect">
-              <a:avLst/>
-            </a:prstGeom>
-            <a:solidFill>
-              <a:srgbClr val="FFFFFF">
-                <a:alpha val="100000"/>
-              </a:srgbClr>
-            </a:solidFill>
-            <a:ln w="9525" cap="rnd">
-              <a:solidFill>
-                <a:srgbClr val="FFFFFF">
-                  <a:alpha val="100000"/>
-                </a:srgbClr>
-              </a:solidFill>
-              <a:prstDash val="solid"/>
-              <a:round/>
-            </a:ln>
-          </p:spPr>
-          <p:txBody>
-            <a:bodyPr/>
-            <a:lstStyle/>
-            <a:p/>
-          </p:txBody>
-        </p:sp>
-        <p:sp>
-          <p:nvSpPr>
-            <p:cNvPr id="4" name="tx4"/>
-            <p:cNvSpPr/>
-            <p:nvPr/>
-          </p:nvSpPr>
-          <p:spPr>
-            <a:xfrm>
-              <a:off x="3027302" y="1671688"/>
-              <a:ext cx="986153" cy="131105"/>
-            </a:xfrm>
-            <a:prstGeom prst="rect">
-              <a:avLst/>
-            </a:prstGeom>
-            <a:noFill/>
-          </p:spPr>
-          <p:txBody>
-            <a:bodyPr lIns="0" rIns="0" tIns="0" bIns="0" anchorCtr="1" anchor="ctr" wrap="none"/>
-            <a:lstStyle/>
-            <a:p>
-              <a:pPr algn="l" marL="0" marR="0" indent="0">
-                <a:lnSpc>
-                  <a:spcPts val="1100"/>
-                </a:lnSpc>
-                <a:spcBef>
-                  <a:spcPts val="0"/>
-                </a:spcBef>
-                <a:spcAft>
-                  <a:spcPts val="0"/>
-                </a:spcAft>
-              </a:pPr>
-              <a:r>
-                <a:rPr sz="1100">
-                  <a:solidFill>
-                    <a:srgbClr val="000000">
-                      <a:alpha val="100000"/>
-                    </a:srgbClr>
-                  </a:solidFill>
-                  <a:latin typeface="Arial"/>
-                  <a:cs typeface="Arial"/>
-                </a:rPr>
-                <a:t>Type of citation:</a:t>
-              </a:r>
-            </a:p>
-          </p:txBody>
-        </p:sp>
         <p:sp>
           <p:nvSpPr>
             <p:cNvPr id="5" name="pt5"/>
@@ -3227,7 +3215,9 @@
           <p:txBody>
             <a:bodyPr/>
             <a:lstStyle/>
-            <a:p/>
+            <a:p>
+              <a:endParaRPr/>
+            </a:p>
           </p:txBody>
         </p:sp>
         <p:sp>
@@ -3262,7 +3252,9 @@
           <p:txBody>
             <a:bodyPr/>
             <a:lstStyle/>
-            <a:p/>
+            <a:p>
+              <a:endParaRPr/>
+            </a:p>
           </p:txBody>
         </p:sp>
         <p:sp>
@@ -3297,7 +3289,9 @@
           <p:txBody>
             <a:bodyPr/>
             <a:lstStyle/>
-            <a:p/>
+            <a:p>
+              <a:endParaRPr/>
+            </a:p>
           </p:txBody>
         </p:sp>
         <p:sp>
@@ -3332,7 +3326,9 @@
           <p:txBody>
             <a:bodyPr/>
             <a:lstStyle/>
-            <a:p/>
+            <a:p>
+              <a:endParaRPr/>
+            </a:p>
           </p:txBody>
         </p:sp>
         <p:sp>
@@ -3367,7 +3363,9 @@
           <p:txBody>
             <a:bodyPr/>
             <a:lstStyle/>
-            <a:p/>
+            <a:p>
+              <a:endParaRPr/>
+            </a:p>
           </p:txBody>
         </p:sp>
         <p:sp>
@@ -3402,7 +3400,9 @@
           <p:txBody>
             <a:bodyPr/>
             <a:lstStyle/>
-            <a:p/>
+            <a:p>
+              <a:endParaRPr/>
+            </a:p>
           </p:txBody>
         </p:sp>
         <p:sp>
@@ -3437,7 +3437,9 @@
           <p:txBody>
             <a:bodyPr/>
             <a:lstStyle/>
-            <a:p/>
+            <a:p>
+              <a:endParaRPr/>
+            </a:p>
           </p:txBody>
         </p:sp>
         <p:sp>
@@ -3472,7 +3474,9 @@
           <p:txBody>
             <a:bodyPr/>
             <a:lstStyle/>
-            <a:p/>
+            <a:p>
+              <a:endParaRPr/>
+            </a:p>
           </p:txBody>
         </p:sp>
         <p:sp>
@@ -3492,10 +3496,10 @@
             <a:noFill/>
           </p:spPr>
           <p:txBody>
-            <a:bodyPr lIns="0" rIns="0" tIns="0" bIns="0" anchorCtr="1" anchor="ctr" wrap="none"/>
+            <a:bodyPr wrap="none" lIns="0" tIns="0" rIns="0" bIns="0" anchor="ctr" anchorCtr="1"/>
             <a:lstStyle/>
             <a:p>
-              <a:pPr algn="l" marL="0" marR="0" indent="0">
+              <a:pPr marL="0" marR="0" indent="0" algn="l">
                 <a:lnSpc>
                   <a:spcPts val="880"/>
                 </a:lnSpc>
@@ -3538,10 +3542,10 @@
             <a:noFill/>
           </p:spPr>
           <p:txBody>
-            <a:bodyPr lIns="0" rIns="0" tIns="0" bIns="0" anchorCtr="1" anchor="ctr" wrap="none"/>
+            <a:bodyPr wrap="none" lIns="0" tIns="0" rIns="0" bIns="0" anchor="ctr" anchorCtr="1"/>
             <a:lstStyle/>
             <a:p>
-              <a:pPr algn="l" marL="0" marR="0" indent="0">
+              <a:pPr marL="0" marR="0" indent="0" algn="l">
                 <a:lnSpc>
                   <a:spcPts val="880"/>
                 </a:lnSpc>
@@ -3584,10 +3588,10 @@
             <a:noFill/>
           </p:spPr>
           <p:txBody>
-            <a:bodyPr lIns="0" rIns="0" tIns="0" bIns="0" anchorCtr="1" anchor="ctr" wrap="none"/>
+            <a:bodyPr wrap="none" lIns="0" tIns="0" rIns="0" bIns="0" anchor="ctr" anchorCtr="1"/>
             <a:lstStyle/>
             <a:p>
-              <a:pPr algn="l" marL="0" marR="0" indent="0">
+              <a:pPr marL="0" marR="0" indent="0" algn="l">
                 <a:lnSpc>
                   <a:spcPts val="880"/>
                 </a:lnSpc>
@@ -3630,10 +3634,10 @@
             <a:noFill/>
           </p:spPr>
           <p:txBody>
-            <a:bodyPr lIns="0" rIns="0" tIns="0" bIns="0" anchorCtr="1" anchor="ctr" wrap="none"/>
+            <a:bodyPr wrap="none" lIns="0" tIns="0" rIns="0" bIns="0" anchor="ctr" anchorCtr="1"/>
             <a:lstStyle/>
             <a:p>
-              <a:pPr algn="l" marL="0" marR="0" indent="0">
+              <a:pPr marL="0" marR="0" indent="0" algn="l">
                 <a:lnSpc>
                   <a:spcPts val="880"/>
                 </a:lnSpc>
@@ -3676,10 +3680,10 @@
             <a:noFill/>
           </p:spPr>
           <p:txBody>
-            <a:bodyPr lIns="0" rIns="0" tIns="0" bIns="0" anchorCtr="1" anchor="ctr" wrap="none"/>
+            <a:bodyPr wrap="none" lIns="0" tIns="0" rIns="0" bIns="0" anchor="ctr" anchorCtr="1"/>
             <a:lstStyle/>
             <a:p>
-              <a:pPr algn="l" marL="0" marR="0" indent="0">
+              <a:pPr marL="0" marR="0" indent="0" algn="l">
                 <a:lnSpc>
                   <a:spcPts val="880"/>
                 </a:lnSpc>
@@ -3722,10 +3726,10 @@
             <a:noFill/>
           </p:spPr>
           <p:txBody>
-            <a:bodyPr lIns="0" rIns="0" tIns="0" bIns="0" anchorCtr="1" anchor="ctr" wrap="none"/>
+            <a:bodyPr wrap="none" lIns="0" tIns="0" rIns="0" bIns="0" anchor="ctr" anchorCtr="1"/>
             <a:lstStyle/>
             <a:p>
-              <a:pPr algn="l" marL="0" marR="0" indent="0">
+              <a:pPr marL="0" marR="0" indent="0" algn="l">
                 <a:lnSpc>
                   <a:spcPts val="880"/>
                 </a:lnSpc>
@@ -3768,10 +3772,10 @@
             <a:noFill/>
           </p:spPr>
           <p:txBody>
-            <a:bodyPr lIns="0" rIns="0" tIns="0" bIns="0" anchorCtr="1" anchor="ctr" wrap="none"/>
+            <a:bodyPr wrap="none" lIns="0" tIns="0" rIns="0" bIns="0" anchor="ctr" anchorCtr="1"/>
             <a:lstStyle/>
             <a:p>
-              <a:pPr algn="l" marL="0" marR="0" indent="0">
+              <a:pPr marL="0" marR="0" indent="0" algn="l">
                 <a:lnSpc>
                   <a:spcPts val="880"/>
                 </a:lnSpc>
@@ -3814,10 +3818,10 @@
             <a:noFill/>
           </p:spPr>
           <p:txBody>
-            <a:bodyPr lIns="0" rIns="0" tIns="0" bIns="0" anchorCtr="1" anchor="ctr" wrap="none"/>
+            <a:bodyPr wrap="none" lIns="0" tIns="0" rIns="0" bIns="0" anchor="ctr" anchorCtr="1"/>
             <a:lstStyle/>
             <a:p>
-              <a:pPr algn="l" marL="0" marR="0" indent="0">
+              <a:pPr marL="0" marR="0" indent="0" algn="l">
                 <a:lnSpc>
                   <a:spcPts val="880"/>
                 </a:lnSpc>
@@ -3844,6 +3848,49 @@
           </p:txBody>
         </p:sp>
       </p:grpSp>
+      <p:sp>
+        <p:nvSpPr>
+          <p:cNvPr id="21" name="TextBox 20">
+            <a:extLst>
+              <a:ext uri="{FF2B5EF4-FFF2-40B4-BE49-F238E27FC236}">
+                <a16:creationId xmlns:a16="http://schemas.microsoft.com/office/drawing/2014/main" id="{8EB172FE-6387-48A9-BA81-5DC0B8E654D4}"/>
+              </a:ext>
+            </a:extLst>
+          </p:cNvPr>
+          <p:cNvSpPr txBox="1"/>
+          <p:nvPr/>
+        </p:nvSpPr>
+        <p:spPr>
+          <a:xfrm>
+            <a:off x="2973207" y="1645743"/>
+            <a:ext cx="1039067" cy="261610"/>
+          </a:xfrm>
+          <a:prstGeom prst="rect">
+            <a:avLst/>
+          </a:prstGeom>
+          <a:noFill/>
+        </p:spPr>
+        <p:txBody>
+          <a:bodyPr wrap="none" rtlCol="0">
+            <a:spAutoFit/>
+          </a:bodyPr>
+          <a:lstStyle/>
+          <a:p>
+            <a:r>
+              <a:rPr lang="en-GB" dirty="0">
+                <a:solidFill>
+                  <a:srgbClr val="000000">
+                    <a:alpha val="100000"/>
+                  </a:srgbClr>
+                </a:solidFill>
+                <a:latin typeface="Arial"/>
+                <a:cs typeface="Arial"/>
+              </a:rPr>
+              <a:t>Study design:</a:t>
+            </a:r>
+          </a:p>
+        </p:txBody>
+      </p:sp>
     </p:spTree>
   </p:cSld>
   <p:clrMapOvr>

--- a/outputs/legend_stud_paper.pptx
+++ b/outputs/legend_stud_paper.pptx
@@ -123,59 +123,6 @@
 </p:presentation>
 </file>
 
-<file path=ppt/revisionInfo.xml><?xml version="1.0" encoding="utf-8"?>
-<p1510:revInfo xmlns:a="http://schemas.openxmlformats.org/drawingml/2006/main" xmlns:r="http://schemas.openxmlformats.org/officeDocument/2006/relationships" xmlns:p1510="http://schemas.microsoft.com/office/powerpoint/2015/10/main">
-  <p1510:revLst>
-    <p1510:client id="{94AE59C7-11FA-4EC7-91A0-DC22FDCCAF1B}" v="2" dt="2020-06-23T09:39:36.919"/>
-  </p1510:revLst>
-</p1510:revInfo>
-</file>
-
-<file path=ppt/changesInfos/changesInfo1.xml><?xml version="1.0" encoding="utf-8"?>
-<pc:chgInfo xmlns:a="http://schemas.openxmlformats.org/drawingml/2006/main" xmlns:r="http://schemas.openxmlformats.org/officeDocument/2006/relationships" xmlns:ac="http://schemas.microsoft.com/office/drawing/2013/main/command" xmlns:pc="http://schemas.microsoft.com/office/powerpoint/2013/main/command">
-  <pc:docChgLst>
-    <pc:chgData name="Andrew Baxter (PGR)" userId="b45e9002-b033-421d-a3d9-6d42475e9a3f" providerId="ADAL" clId="{94AE59C7-11FA-4EC7-91A0-DC22FDCCAF1B}"/>
-    <pc:docChg chg="undo custSel modSld">
-      <pc:chgData name="Andrew Baxter (PGR)" userId="b45e9002-b033-421d-a3d9-6d42475e9a3f" providerId="ADAL" clId="{94AE59C7-11FA-4EC7-91A0-DC22FDCCAF1B}" dt="2020-06-23T09:39:45.297" v="42" actId="478"/>
-      <pc:docMkLst>
-        <pc:docMk/>
-      </pc:docMkLst>
-      <pc:sldChg chg="addSp delSp modSp">
-        <pc:chgData name="Andrew Baxter (PGR)" userId="b45e9002-b033-421d-a3d9-6d42475e9a3f" providerId="ADAL" clId="{94AE59C7-11FA-4EC7-91A0-DC22FDCCAF1B}" dt="2020-06-23T09:39:45.297" v="42" actId="478"/>
-        <pc:sldMkLst>
-          <pc:docMk/>
-          <pc:sldMk cId="0" sldId="256"/>
-        </pc:sldMkLst>
-        <pc:spChg chg="del">
-          <ac:chgData name="Andrew Baxter (PGR)" userId="b45e9002-b033-421d-a3d9-6d42475e9a3f" providerId="ADAL" clId="{94AE59C7-11FA-4EC7-91A0-DC22FDCCAF1B}" dt="2020-06-23T09:38:30.762" v="24" actId="478"/>
-          <ac:spMkLst>
-            <pc:docMk/>
-            <pc:sldMk cId="0" sldId="256"/>
-            <ac:spMk id="3" creationId="{00000000-0000-0000-0000-000000000000}"/>
-          </ac:spMkLst>
-        </pc:spChg>
-        <pc:spChg chg="del mod">
-          <ac:chgData name="Andrew Baxter (PGR)" userId="b45e9002-b033-421d-a3d9-6d42475e9a3f" providerId="ADAL" clId="{94AE59C7-11FA-4EC7-91A0-DC22FDCCAF1B}" dt="2020-06-23T09:39:45.297" v="42" actId="478"/>
-          <ac:spMkLst>
-            <pc:docMk/>
-            <pc:sldMk cId="0" sldId="256"/>
-            <ac:spMk id="4" creationId="{00000000-0000-0000-0000-000000000000}"/>
-          </ac:spMkLst>
-        </pc:spChg>
-        <pc:spChg chg="add mod">
-          <ac:chgData name="Andrew Baxter (PGR)" userId="b45e9002-b033-421d-a3d9-6d42475e9a3f" providerId="ADAL" clId="{94AE59C7-11FA-4EC7-91A0-DC22FDCCAF1B}" dt="2020-06-23T09:39:43.260" v="41" actId="1076"/>
-          <ac:spMkLst>
-            <pc:docMk/>
-            <pc:sldMk cId="0" sldId="256"/>
-            <ac:spMk id="21" creationId="{8EB172FE-6387-48A9-BA81-5DC0B8E654D4}"/>
-          </ac:spMkLst>
-        </pc:spChg>
-      </pc:sldChg>
-    </pc:docChg>
-  </pc:docChgLst>
-</pc:chgInfo>
-</file>
-
 <file path=ppt/slideLayouts/slideLayout1.xml><?xml version="1.0" encoding="utf-8"?>
 <p:sldLayout xmlns:a="http://schemas.openxmlformats.org/drawingml/2006/main" xmlns:r="http://schemas.openxmlformats.org/officeDocument/2006/relationships" xmlns:p="http://schemas.openxmlformats.org/presentationml/2006/main" type="title" preserve="1">
   <p:cSld name="Title Slide">
@@ -357,7 +304,7 @@
           <a:p>
             <a:fld id="{6BA5D40C-A8DC-479A-A5D3-E7B4936A184B}" type="datetimeFigureOut">
               <a:rPr lang="en-GB" smtClean="0"/>
-              <a:t>23/06/2020</a:t>
+              <a:t>07/07/2020</a:t>
             </a:fld>
             <a:endParaRPr lang="en-GB"/>
           </a:p>
@@ -527,7 +474,7 @@
           <a:p>
             <a:fld id="{6BA5D40C-A8DC-479A-A5D3-E7B4936A184B}" type="datetimeFigureOut">
               <a:rPr lang="en-GB" smtClean="0"/>
-              <a:t>23/06/2020</a:t>
+              <a:t>07/07/2020</a:t>
             </a:fld>
             <a:endParaRPr lang="en-GB"/>
           </a:p>
@@ -707,7 +654,7 @@
           <a:p>
             <a:fld id="{6BA5D40C-A8DC-479A-A5D3-E7B4936A184B}" type="datetimeFigureOut">
               <a:rPr lang="en-GB" smtClean="0"/>
-              <a:t>23/06/2020</a:t>
+              <a:t>07/07/2020</a:t>
             </a:fld>
             <a:endParaRPr lang="en-GB"/>
           </a:p>
@@ -877,7 +824,7 @@
           <a:p>
             <a:fld id="{6BA5D40C-A8DC-479A-A5D3-E7B4936A184B}" type="datetimeFigureOut">
               <a:rPr lang="en-GB" smtClean="0"/>
-              <a:t>23/06/2020</a:t>
+              <a:t>07/07/2020</a:t>
             </a:fld>
             <a:endParaRPr lang="en-GB"/>
           </a:p>
@@ -1123,7 +1070,7 @@
           <a:p>
             <a:fld id="{6BA5D40C-A8DC-479A-A5D3-E7B4936A184B}" type="datetimeFigureOut">
               <a:rPr lang="en-GB" smtClean="0"/>
-              <a:t>23/06/2020</a:t>
+              <a:t>07/07/2020</a:t>
             </a:fld>
             <a:endParaRPr lang="en-GB"/>
           </a:p>
@@ -1411,7 +1358,7 @@
           <a:p>
             <a:fld id="{6BA5D40C-A8DC-479A-A5D3-E7B4936A184B}" type="datetimeFigureOut">
               <a:rPr lang="en-GB" smtClean="0"/>
-              <a:t>23/06/2020</a:t>
+              <a:t>07/07/2020</a:t>
             </a:fld>
             <a:endParaRPr lang="en-GB"/>
           </a:p>
@@ -1838,7 +1785,7 @@
           <a:p>
             <a:fld id="{6BA5D40C-A8DC-479A-A5D3-E7B4936A184B}" type="datetimeFigureOut">
               <a:rPr lang="en-GB" smtClean="0"/>
-              <a:t>23/06/2020</a:t>
+              <a:t>07/07/2020</a:t>
             </a:fld>
             <a:endParaRPr lang="en-GB"/>
           </a:p>
@@ -1956,7 +1903,7 @@
           <a:p>
             <a:fld id="{6BA5D40C-A8DC-479A-A5D3-E7B4936A184B}" type="datetimeFigureOut">
               <a:rPr lang="en-GB" smtClean="0"/>
-              <a:t>23/06/2020</a:t>
+              <a:t>07/07/2020</a:t>
             </a:fld>
             <a:endParaRPr lang="en-GB"/>
           </a:p>
@@ -2051,7 +1998,7 @@
           <a:p>
             <a:fld id="{6BA5D40C-A8DC-479A-A5D3-E7B4936A184B}" type="datetimeFigureOut">
               <a:rPr lang="en-GB" smtClean="0"/>
-              <a:t>23/06/2020</a:t>
+              <a:t>07/07/2020</a:t>
             </a:fld>
             <a:endParaRPr lang="en-GB"/>
           </a:p>
@@ -2328,7 +2275,7 @@
           <a:p>
             <a:fld id="{6BA5D40C-A8DC-479A-A5D3-E7B4936A184B}" type="datetimeFigureOut">
               <a:rPr lang="en-GB" smtClean="0"/>
-              <a:t>23/06/2020</a:t>
+              <a:t>07/07/2020</a:t>
             </a:fld>
             <a:endParaRPr lang="en-GB"/>
           </a:p>
@@ -2581,7 +2528,7 @@
           <a:p>
             <a:fld id="{6BA5D40C-A8DC-479A-A5D3-E7B4936A184B}" type="datetimeFigureOut">
               <a:rPr lang="en-GB" smtClean="0"/>
-              <a:t>23/06/2020</a:t>
+              <a:t>07/07/2020</a:t>
             </a:fld>
             <a:endParaRPr lang="en-GB"/>
           </a:p>
@@ -2794,7 +2741,7 @@
           <a:p>
             <a:fld id="{6BA5D40C-A8DC-479A-A5D3-E7B4936A184B}" type="datetimeFigureOut">
               <a:rPr lang="en-GB" smtClean="0"/>
-              <a:t>23/06/2020</a:t>
+              <a:t>07/07/2020</a:t>
             </a:fld>
             <a:endParaRPr lang="en-GB"/>
           </a:p>
@@ -3177,12 +3124,58 @@
         </p:nvGrpSpPr>
         <p:grpSpPr>
           <a:xfrm>
-            <a:off x="3064777" y="1931295"/>
-            <a:ext cx="1425377" cy="1680698"/>
-            <a:chOff x="3064777" y="1931295"/>
-            <a:chExt cx="1425377" cy="1680698"/>
+            <a:off x="3027302" y="1671688"/>
+            <a:ext cx="1462852" cy="1940305"/>
+            <a:chOff x="3027302" y="1671688"/>
+            <a:chExt cx="1462852" cy="1940305"/>
           </a:xfrm>
         </p:grpSpPr>
+        <p:sp>
+          <p:nvSpPr>
+            <p:cNvPr id="4" name="tx4"/>
+            <p:cNvSpPr/>
+            <p:nvPr/>
+          </p:nvSpPr>
+          <p:spPr>
+            <a:xfrm>
+              <a:off x="3027302" y="1671688"/>
+              <a:ext cx="986153" cy="131105"/>
+            </a:xfrm>
+            <a:prstGeom prst="rect">
+              <a:avLst/>
+            </a:prstGeom>
+            <a:noFill/>
+          </p:spPr>
+          <p:txBody>
+            <a:bodyPr wrap="none" lIns="0" tIns="0" rIns="0" bIns="0" anchor="ctr" anchorCtr="1"/>
+            <a:lstStyle/>
+            <a:p>
+              <a:pPr marL="0" marR="0" indent="0" algn="l">
+                <a:lnSpc>
+                  <a:spcPts val="1100"/>
+                </a:lnSpc>
+                <a:spcBef>
+                  <a:spcPts val="0"/>
+                </a:spcBef>
+                <a:spcAft>
+                  <a:spcPts val="0"/>
+                </a:spcAft>
+              </a:pPr>
+              <a:r>
+                <a:rPr sz="1100" dirty="0">
+                  <a:solidFill>
+                    <a:srgbClr val="000000">
+                      <a:alpha val="100000"/>
+                    </a:srgbClr>
+                  </a:solidFill>
+                  <a:latin typeface="Arial"/>
+                  <a:cs typeface="Arial"/>
+                </a:rPr>
+                <a:t>Type of citation:</a:t>
+              </a:r>
+            </a:p>
+          </p:txBody>
+        </p:sp>
         <p:sp>
           <p:nvSpPr>
             <p:cNvPr id="5" name="pt5"/>
@@ -3557,7 +3550,7 @@
                 </a:spcAft>
               </a:pPr>
               <a:r>
-                <a:rPr sz="880">
+                <a:rPr sz="880" dirty="0">
                   <a:solidFill>
                     <a:srgbClr val="000000">
                       <a:alpha val="100000"/>
@@ -3566,7 +3559,31 @@
                   <a:latin typeface="Arial"/>
                   <a:cs typeface="Arial"/>
                 </a:rPr>
-                <a:t>Longitudinal study (19)</a:t>
+                <a:t>Longitudinal study (2</a:t>
+              </a:r>
+              <a:r>
+                <a:rPr lang="en-GB" sz="880" dirty="0">
+                  <a:solidFill>
+                    <a:srgbClr val="000000">
+                      <a:alpha val="100000"/>
+                    </a:srgbClr>
+                  </a:solidFill>
+                  <a:latin typeface="Arial"/>
+                  <a:cs typeface="Arial"/>
+                </a:rPr>
+                <a:t>1</a:t>
+              </a:r>
+              <a:r>
+                <a:rPr sz="880" dirty="0">
+                  <a:solidFill>
+                    <a:srgbClr val="000000">
+                      <a:alpha val="100000"/>
+                    </a:srgbClr>
+                  </a:solidFill>
+                  <a:latin typeface="Arial"/>
+                  <a:cs typeface="Arial"/>
+                </a:rPr>
+                <a:t>)</a:t>
               </a:r>
             </a:p>
           </p:txBody>
@@ -3649,7 +3666,7 @@
                 </a:spcAft>
               </a:pPr>
               <a:r>
-                <a:rPr sz="880">
+                <a:rPr sz="880" dirty="0">
                   <a:solidFill>
                     <a:srgbClr val="000000">
                       <a:alpha val="100000"/>
@@ -3848,49 +3865,6 @@
           </p:txBody>
         </p:sp>
       </p:grpSp>
-      <p:sp>
-        <p:nvSpPr>
-          <p:cNvPr id="21" name="TextBox 20">
-            <a:extLst>
-              <a:ext uri="{FF2B5EF4-FFF2-40B4-BE49-F238E27FC236}">
-                <a16:creationId xmlns:a16="http://schemas.microsoft.com/office/drawing/2014/main" id="{8EB172FE-6387-48A9-BA81-5DC0B8E654D4}"/>
-              </a:ext>
-            </a:extLst>
-          </p:cNvPr>
-          <p:cNvSpPr txBox="1"/>
-          <p:nvPr/>
-        </p:nvSpPr>
-        <p:spPr>
-          <a:xfrm>
-            <a:off x="2973207" y="1645743"/>
-            <a:ext cx="1039067" cy="261610"/>
-          </a:xfrm>
-          <a:prstGeom prst="rect">
-            <a:avLst/>
-          </a:prstGeom>
-          <a:noFill/>
-        </p:spPr>
-        <p:txBody>
-          <a:bodyPr wrap="none" rtlCol="0">
-            <a:spAutoFit/>
-          </a:bodyPr>
-          <a:lstStyle/>
-          <a:p>
-            <a:r>
-              <a:rPr lang="en-GB" dirty="0">
-                <a:solidFill>
-                  <a:srgbClr val="000000">
-                    <a:alpha val="100000"/>
-                  </a:srgbClr>
-                </a:solidFill>
-                <a:latin typeface="Arial"/>
-                <a:cs typeface="Arial"/>
-              </a:rPr>
-              <a:t>Study design:</a:t>
-            </a:r>
-          </a:p>
-        </p:txBody>
-      </p:sp>
     </p:spTree>
   </p:cSld>
   <p:clrMapOvr>

--- a/outputs/legend_stud_paper.pptx
+++ b/outputs/legend_stud_paper.pptx
@@ -4,8 +4,8 @@
   <p:sldMasterIdLst>
     <p:sldMasterId id="2147483648" r:id="rId1"/>
   </p:sldMasterIdLst>
-  <p:sldIdLst>
-    <p:sldId id="256" r:id="rId2"/>
+  <p:sldIdLst xmlns:a="http://schemas.openxmlformats.org/drawingml/2006/main" xmlns:r="http://schemas.openxmlformats.org/officeDocument/2006/relationships" xmlns:p="http://schemas.openxmlformats.org/presentationml/2006/main">
+    <p:sldId id="256" r:id="rId6"/>
   </p:sldIdLst>
   <p:sldSz cx="7562850" cy="5330825"/>
   <p:notesSz cx="6858000" cy="9144000"/>
@@ -104,22 +104,6 @@
       </a:defRPr>
     </a:lvl9pPr>
   </p:defaultTextStyle>
-  <p:extLst>
-    <p:ext uri="{EFAFB233-063F-42B5-8137-9DF3F51BA10A}">
-      <p15:sldGuideLst xmlns:p15="http://schemas.microsoft.com/office/powerpoint/2012/main">
-        <p15:guide id="1" orient="horz" pos="1679">
-          <p15:clr>
-            <a:srgbClr val="A4A3A4"/>
-          </p15:clr>
-        </p15:guide>
-        <p15:guide id="2" pos="2382">
-          <p15:clr>
-            <a:srgbClr val="A4A3A4"/>
-          </p15:clr>
-        </p15:guide>
-      </p15:sldGuideLst>
-    </p:ext>
-  </p:extLst>
 </p:presentation>
 </file>
 
@@ -161,7 +145,7 @@
           <a:lstStyle/>
           <a:p>
             <a:r>
-              <a:rPr lang="en-US"/>
+              <a:rPr lang="en-US" smtClean="0"/>
               <a:t>Click to edit Master title style</a:t>
             </a:r>
             <a:endParaRPr lang="en-GB"/>
@@ -280,7 +264,7 @@
           </a:lstStyle>
           <a:p>
             <a:r>
-              <a:rPr lang="en-US"/>
+              <a:rPr lang="en-US" smtClean="0"/>
               <a:t>Click to edit Master subtitle style</a:t>
             </a:r>
             <a:endParaRPr lang="en-GB"/>
@@ -304,7 +288,7 @@
           <a:p>
             <a:fld id="{6BA5D40C-A8DC-479A-A5D3-E7B4936A184B}" type="datetimeFigureOut">
               <a:rPr lang="en-GB" smtClean="0"/>
-              <a:t>07/07/2020</a:t>
+              <a:t>15/07/2015</a:t>
             </a:fld>
             <a:endParaRPr lang="en-GB"/>
           </a:p>
@@ -398,7 +382,7 @@
           <a:lstStyle/>
           <a:p>
             <a:r>
-              <a:rPr lang="en-US"/>
+              <a:rPr lang="en-US" smtClean="0"/>
               <a:t>Click to edit Master title style</a:t>
             </a:r>
             <a:endParaRPr lang="en-GB"/>
@@ -422,35 +406,35 @@
           <a:p>
             <a:pPr lvl="0"/>
             <a:r>
-              <a:rPr lang="en-US"/>
+              <a:rPr lang="en-US" smtClean="0"/>
               <a:t>Click to edit Master text styles</a:t>
             </a:r>
           </a:p>
           <a:p>
             <a:pPr lvl="1"/>
             <a:r>
-              <a:rPr lang="en-US"/>
+              <a:rPr lang="en-US" smtClean="0"/>
               <a:t>Second level</a:t>
             </a:r>
           </a:p>
           <a:p>
             <a:pPr lvl="2"/>
             <a:r>
-              <a:rPr lang="en-US"/>
+              <a:rPr lang="en-US" smtClean="0"/>
               <a:t>Third level</a:t>
             </a:r>
           </a:p>
           <a:p>
             <a:pPr lvl="3"/>
             <a:r>
-              <a:rPr lang="en-US"/>
+              <a:rPr lang="en-US" smtClean="0"/>
               <a:t>Fourth level</a:t>
             </a:r>
           </a:p>
           <a:p>
             <a:pPr lvl="4"/>
             <a:r>
-              <a:rPr lang="en-US"/>
+              <a:rPr lang="en-US" smtClean="0"/>
               <a:t>Fifth level</a:t>
             </a:r>
             <a:endParaRPr lang="en-GB"/>
@@ -474,7 +458,7 @@
           <a:p>
             <a:fld id="{6BA5D40C-A8DC-479A-A5D3-E7B4936A184B}" type="datetimeFigureOut">
               <a:rPr lang="en-GB" smtClean="0"/>
-              <a:t>07/07/2020</a:t>
+              <a:t>15/07/2015</a:t>
             </a:fld>
             <a:endParaRPr lang="en-GB"/>
           </a:p>
@@ -573,7 +557,7 @@
           <a:lstStyle/>
           <a:p>
             <a:r>
-              <a:rPr lang="en-US"/>
+              <a:rPr lang="en-US" smtClean="0"/>
               <a:t>Click to edit Master title style</a:t>
             </a:r>
             <a:endParaRPr lang="en-GB"/>
@@ -602,35 +586,35 @@
           <a:p>
             <a:pPr lvl="0"/>
             <a:r>
-              <a:rPr lang="en-US"/>
+              <a:rPr lang="en-US" smtClean="0"/>
               <a:t>Click to edit Master text styles</a:t>
             </a:r>
           </a:p>
           <a:p>
             <a:pPr lvl="1"/>
             <a:r>
-              <a:rPr lang="en-US"/>
+              <a:rPr lang="en-US" smtClean="0"/>
               <a:t>Second level</a:t>
             </a:r>
           </a:p>
           <a:p>
             <a:pPr lvl="2"/>
             <a:r>
-              <a:rPr lang="en-US"/>
+              <a:rPr lang="en-US" smtClean="0"/>
               <a:t>Third level</a:t>
             </a:r>
           </a:p>
           <a:p>
             <a:pPr lvl="3"/>
             <a:r>
-              <a:rPr lang="en-US"/>
+              <a:rPr lang="en-US" smtClean="0"/>
               <a:t>Fourth level</a:t>
             </a:r>
           </a:p>
           <a:p>
             <a:pPr lvl="4"/>
             <a:r>
-              <a:rPr lang="en-US"/>
+              <a:rPr lang="en-US" smtClean="0"/>
               <a:t>Fifth level</a:t>
             </a:r>
             <a:endParaRPr lang="en-GB"/>
@@ -654,7 +638,7 @@
           <a:p>
             <a:fld id="{6BA5D40C-A8DC-479A-A5D3-E7B4936A184B}" type="datetimeFigureOut">
               <a:rPr lang="en-GB" smtClean="0"/>
-              <a:t>07/07/2020</a:t>
+              <a:t>15/07/2015</a:t>
             </a:fld>
             <a:endParaRPr lang="en-GB"/>
           </a:p>
@@ -748,7 +732,7 @@
           <a:lstStyle/>
           <a:p>
             <a:r>
-              <a:rPr lang="en-US"/>
+              <a:rPr lang="en-US" smtClean="0"/>
               <a:t>Click to edit Master title style</a:t>
             </a:r>
             <a:endParaRPr lang="en-GB"/>
@@ -772,35 +756,35 @@
           <a:p>
             <a:pPr lvl="0"/>
             <a:r>
-              <a:rPr lang="en-US"/>
+              <a:rPr lang="en-US" smtClean="0"/>
               <a:t>Click to edit Master text styles</a:t>
             </a:r>
           </a:p>
           <a:p>
             <a:pPr lvl="1"/>
             <a:r>
-              <a:rPr lang="en-US"/>
+              <a:rPr lang="en-US" smtClean="0"/>
               <a:t>Second level</a:t>
             </a:r>
           </a:p>
           <a:p>
             <a:pPr lvl="2"/>
             <a:r>
-              <a:rPr lang="en-US"/>
+              <a:rPr lang="en-US" smtClean="0"/>
               <a:t>Third level</a:t>
             </a:r>
           </a:p>
           <a:p>
             <a:pPr lvl="3"/>
             <a:r>
-              <a:rPr lang="en-US"/>
+              <a:rPr lang="en-US" smtClean="0"/>
               <a:t>Fourth level</a:t>
             </a:r>
           </a:p>
           <a:p>
             <a:pPr lvl="4"/>
             <a:r>
-              <a:rPr lang="en-US"/>
+              <a:rPr lang="en-US" smtClean="0"/>
               <a:t>Fifth level</a:t>
             </a:r>
             <a:endParaRPr lang="en-GB"/>
@@ -824,7 +808,7 @@
           <a:p>
             <a:fld id="{6BA5D40C-A8DC-479A-A5D3-E7B4936A184B}" type="datetimeFigureOut">
               <a:rPr lang="en-GB" smtClean="0"/>
-              <a:t>07/07/2020</a:t>
+              <a:t>15/07/2015</a:t>
             </a:fld>
             <a:endParaRPr lang="en-GB"/>
           </a:p>
@@ -927,7 +911,7 @@
           </a:lstStyle>
           <a:p>
             <a:r>
-              <a:rPr lang="en-US"/>
+              <a:rPr lang="en-US" smtClean="0"/>
               <a:t>Click to edit Master title style</a:t>
             </a:r>
             <a:endParaRPr lang="en-GB"/>
@@ -1047,7 +1031,7 @@
           <a:p>
             <a:pPr lvl="0"/>
             <a:r>
-              <a:rPr lang="en-US"/>
+              <a:rPr lang="en-US" smtClean="0"/>
               <a:t>Click to edit Master text styles</a:t>
             </a:r>
           </a:p>
@@ -1070,7 +1054,7 @@
           <a:p>
             <a:fld id="{6BA5D40C-A8DC-479A-A5D3-E7B4936A184B}" type="datetimeFigureOut">
               <a:rPr lang="en-GB" smtClean="0"/>
-              <a:t>07/07/2020</a:t>
+              <a:t>15/07/2015</a:t>
             </a:fld>
             <a:endParaRPr lang="en-GB"/>
           </a:p>
@@ -1164,7 +1148,7 @@
           <a:lstStyle/>
           <a:p>
             <a:r>
-              <a:rPr lang="en-US"/>
+              <a:rPr lang="en-US" smtClean="0"/>
               <a:t>Click to edit Master title style</a:t>
             </a:r>
             <a:endParaRPr lang="en-GB"/>
@@ -1221,35 +1205,35 @@
           <a:p>
             <a:pPr lvl="0"/>
             <a:r>
-              <a:rPr lang="en-US"/>
+              <a:rPr lang="en-US" smtClean="0"/>
               <a:t>Click to edit Master text styles</a:t>
             </a:r>
           </a:p>
           <a:p>
             <a:pPr lvl="1"/>
             <a:r>
-              <a:rPr lang="en-US"/>
+              <a:rPr lang="en-US" smtClean="0"/>
               <a:t>Second level</a:t>
             </a:r>
           </a:p>
           <a:p>
             <a:pPr lvl="2"/>
             <a:r>
-              <a:rPr lang="en-US"/>
+              <a:rPr lang="en-US" smtClean="0"/>
               <a:t>Third level</a:t>
             </a:r>
           </a:p>
           <a:p>
             <a:pPr lvl="3"/>
             <a:r>
-              <a:rPr lang="en-US"/>
+              <a:rPr lang="en-US" smtClean="0"/>
               <a:t>Fourth level</a:t>
             </a:r>
           </a:p>
           <a:p>
             <a:pPr lvl="4"/>
             <a:r>
-              <a:rPr lang="en-US"/>
+              <a:rPr lang="en-US" smtClean="0"/>
               <a:t>Fifth level</a:t>
             </a:r>
             <a:endParaRPr lang="en-GB"/>
@@ -1306,35 +1290,35 @@
           <a:p>
             <a:pPr lvl="0"/>
             <a:r>
-              <a:rPr lang="en-US"/>
+              <a:rPr lang="en-US" smtClean="0"/>
               <a:t>Click to edit Master text styles</a:t>
             </a:r>
           </a:p>
           <a:p>
             <a:pPr lvl="1"/>
             <a:r>
-              <a:rPr lang="en-US"/>
+              <a:rPr lang="en-US" smtClean="0"/>
               <a:t>Second level</a:t>
             </a:r>
           </a:p>
           <a:p>
             <a:pPr lvl="2"/>
             <a:r>
-              <a:rPr lang="en-US"/>
+              <a:rPr lang="en-US" smtClean="0"/>
               <a:t>Third level</a:t>
             </a:r>
           </a:p>
           <a:p>
             <a:pPr lvl="3"/>
             <a:r>
-              <a:rPr lang="en-US"/>
+              <a:rPr lang="en-US" smtClean="0"/>
               <a:t>Fourth level</a:t>
             </a:r>
           </a:p>
           <a:p>
             <a:pPr lvl="4"/>
             <a:r>
-              <a:rPr lang="en-US"/>
+              <a:rPr lang="en-US" smtClean="0"/>
               <a:t>Fifth level</a:t>
             </a:r>
             <a:endParaRPr lang="en-GB"/>
@@ -1358,7 +1342,7 @@
           <a:p>
             <a:fld id="{6BA5D40C-A8DC-479A-A5D3-E7B4936A184B}" type="datetimeFigureOut">
               <a:rPr lang="en-GB" smtClean="0"/>
-              <a:t>07/07/2020</a:t>
+              <a:t>15/07/2015</a:t>
             </a:fld>
             <a:endParaRPr lang="en-GB"/>
           </a:p>
@@ -1461,7 +1445,7 @@
           </a:lstStyle>
           <a:p>
             <a:r>
-              <a:rPr lang="en-US"/>
+              <a:rPr lang="en-US" smtClean="0"/>
               <a:t>Click to edit Master title style</a:t>
             </a:r>
             <a:endParaRPr lang="en-GB"/>
@@ -1527,7 +1511,7 @@
           <a:p>
             <a:pPr lvl="0"/>
             <a:r>
-              <a:rPr lang="en-US"/>
+              <a:rPr lang="en-US" smtClean="0"/>
               <a:t>Click to edit Master text styles</a:t>
             </a:r>
           </a:p>
@@ -1583,35 +1567,35 @@
           <a:p>
             <a:pPr lvl="0"/>
             <a:r>
-              <a:rPr lang="en-US"/>
+              <a:rPr lang="en-US" smtClean="0"/>
               <a:t>Click to edit Master text styles</a:t>
             </a:r>
           </a:p>
           <a:p>
             <a:pPr lvl="1"/>
             <a:r>
-              <a:rPr lang="en-US"/>
+              <a:rPr lang="en-US" smtClean="0"/>
               <a:t>Second level</a:t>
             </a:r>
           </a:p>
           <a:p>
             <a:pPr lvl="2"/>
             <a:r>
-              <a:rPr lang="en-US"/>
+              <a:rPr lang="en-US" smtClean="0"/>
               <a:t>Third level</a:t>
             </a:r>
           </a:p>
           <a:p>
             <a:pPr lvl="3"/>
             <a:r>
-              <a:rPr lang="en-US"/>
+              <a:rPr lang="en-US" smtClean="0"/>
               <a:t>Fourth level</a:t>
             </a:r>
           </a:p>
           <a:p>
             <a:pPr lvl="4"/>
             <a:r>
-              <a:rPr lang="en-US"/>
+              <a:rPr lang="en-US" smtClean="0"/>
               <a:t>Fifth level</a:t>
             </a:r>
             <a:endParaRPr lang="en-GB"/>
@@ -1677,7 +1661,7 @@
           <a:p>
             <a:pPr lvl="0"/>
             <a:r>
-              <a:rPr lang="en-US"/>
+              <a:rPr lang="en-US" smtClean="0"/>
               <a:t>Click to edit Master text styles</a:t>
             </a:r>
           </a:p>
@@ -1733,35 +1717,35 @@
           <a:p>
             <a:pPr lvl="0"/>
             <a:r>
-              <a:rPr lang="en-US"/>
+              <a:rPr lang="en-US" smtClean="0"/>
               <a:t>Click to edit Master text styles</a:t>
             </a:r>
           </a:p>
           <a:p>
             <a:pPr lvl="1"/>
             <a:r>
-              <a:rPr lang="en-US"/>
+              <a:rPr lang="en-US" smtClean="0"/>
               <a:t>Second level</a:t>
             </a:r>
           </a:p>
           <a:p>
             <a:pPr lvl="2"/>
             <a:r>
-              <a:rPr lang="en-US"/>
+              <a:rPr lang="en-US" smtClean="0"/>
               <a:t>Third level</a:t>
             </a:r>
           </a:p>
           <a:p>
             <a:pPr lvl="3"/>
             <a:r>
-              <a:rPr lang="en-US"/>
+              <a:rPr lang="en-US" smtClean="0"/>
               <a:t>Fourth level</a:t>
             </a:r>
           </a:p>
           <a:p>
             <a:pPr lvl="4"/>
             <a:r>
-              <a:rPr lang="en-US"/>
+              <a:rPr lang="en-US" smtClean="0"/>
               <a:t>Fifth level</a:t>
             </a:r>
             <a:endParaRPr lang="en-GB"/>
@@ -1785,7 +1769,7 @@
           <a:p>
             <a:fld id="{6BA5D40C-A8DC-479A-A5D3-E7B4936A184B}" type="datetimeFigureOut">
               <a:rPr lang="en-GB" smtClean="0"/>
-              <a:t>07/07/2020</a:t>
+              <a:t>15/07/2015</a:t>
             </a:fld>
             <a:endParaRPr lang="en-GB"/>
           </a:p>
@@ -1879,7 +1863,7 @@
           <a:lstStyle/>
           <a:p>
             <a:r>
-              <a:rPr lang="en-US"/>
+              <a:rPr lang="en-US" smtClean="0"/>
               <a:t>Click to edit Master title style</a:t>
             </a:r>
             <a:endParaRPr lang="en-GB"/>
@@ -1903,7 +1887,7 @@
           <a:p>
             <a:fld id="{6BA5D40C-A8DC-479A-A5D3-E7B4936A184B}" type="datetimeFigureOut">
               <a:rPr lang="en-GB" smtClean="0"/>
-              <a:t>07/07/2020</a:t>
+              <a:t>15/07/2015</a:t>
             </a:fld>
             <a:endParaRPr lang="en-GB"/>
           </a:p>
@@ -1998,7 +1982,7 @@
           <a:p>
             <a:fld id="{6BA5D40C-A8DC-479A-A5D3-E7B4936A184B}" type="datetimeFigureOut">
               <a:rPr lang="en-GB" smtClean="0"/>
-              <a:t>07/07/2020</a:t>
+              <a:t>15/07/2015</a:t>
             </a:fld>
             <a:endParaRPr lang="en-GB"/>
           </a:p>
@@ -2101,7 +2085,7 @@
           </a:lstStyle>
           <a:p>
             <a:r>
-              <a:rPr lang="en-US"/>
+              <a:rPr lang="en-US" smtClean="0"/>
               <a:t>Click to edit Master title style</a:t>
             </a:r>
             <a:endParaRPr lang="en-GB"/>
@@ -2158,35 +2142,35 @@
           <a:p>
             <a:pPr lvl="0"/>
             <a:r>
-              <a:rPr lang="en-US"/>
+              <a:rPr lang="en-US" smtClean="0"/>
               <a:t>Click to edit Master text styles</a:t>
             </a:r>
           </a:p>
           <a:p>
             <a:pPr lvl="1"/>
             <a:r>
-              <a:rPr lang="en-US"/>
+              <a:rPr lang="en-US" smtClean="0"/>
               <a:t>Second level</a:t>
             </a:r>
           </a:p>
           <a:p>
             <a:pPr lvl="2"/>
             <a:r>
-              <a:rPr lang="en-US"/>
+              <a:rPr lang="en-US" smtClean="0"/>
               <a:t>Third level</a:t>
             </a:r>
           </a:p>
           <a:p>
             <a:pPr lvl="3"/>
             <a:r>
-              <a:rPr lang="en-US"/>
+              <a:rPr lang="en-US" smtClean="0"/>
               <a:t>Fourth level</a:t>
             </a:r>
           </a:p>
           <a:p>
             <a:pPr lvl="4"/>
             <a:r>
-              <a:rPr lang="en-US"/>
+              <a:rPr lang="en-US" smtClean="0"/>
               <a:t>Fifth level</a:t>
             </a:r>
             <a:endParaRPr lang="en-GB"/>
@@ -2252,7 +2236,7 @@
           <a:p>
             <a:pPr lvl="0"/>
             <a:r>
-              <a:rPr lang="en-US"/>
+              <a:rPr lang="en-US" smtClean="0"/>
               <a:t>Click to edit Master text styles</a:t>
             </a:r>
           </a:p>
@@ -2275,7 +2259,7 @@
           <a:p>
             <a:fld id="{6BA5D40C-A8DC-479A-A5D3-E7B4936A184B}" type="datetimeFigureOut">
               <a:rPr lang="en-GB" smtClean="0"/>
-              <a:t>07/07/2020</a:t>
+              <a:t>15/07/2015</a:t>
             </a:fld>
             <a:endParaRPr lang="en-GB"/>
           </a:p>
@@ -2378,7 +2362,7 @@
           </a:lstStyle>
           <a:p>
             <a:r>
-              <a:rPr lang="en-US"/>
+              <a:rPr lang="en-US" smtClean="0"/>
               <a:t>Click to edit Master title style</a:t>
             </a:r>
             <a:endParaRPr lang="en-GB"/>
@@ -2505,7 +2489,7 @@
           <a:p>
             <a:pPr lvl="0"/>
             <a:r>
-              <a:rPr lang="en-US"/>
+              <a:rPr lang="en-US" smtClean="0"/>
               <a:t>Click to edit Master text styles</a:t>
             </a:r>
           </a:p>
@@ -2528,7 +2512,7 @@
           <a:p>
             <a:fld id="{6BA5D40C-A8DC-479A-A5D3-E7B4936A184B}" type="datetimeFigureOut">
               <a:rPr lang="en-GB" smtClean="0"/>
-              <a:t>07/07/2020</a:t>
+              <a:t>15/07/2015</a:t>
             </a:fld>
             <a:endParaRPr lang="en-GB"/>
           </a:p>
@@ -2637,7 +2621,7 @@
           <a:lstStyle/>
           <a:p>
             <a:r>
-              <a:rPr lang="en-US"/>
+              <a:rPr lang="en-US" smtClean="0"/>
               <a:t>Click to edit Master title style</a:t>
             </a:r>
             <a:endParaRPr lang="en-GB"/>
@@ -2671,35 +2655,35 @@
           <a:p>
             <a:pPr lvl="0"/>
             <a:r>
-              <a:rPr lang="en-US"/>
+              <a:rPr lang="en-US" smtClean="0"/>
               <a:t>Click to edit Master text styles</a:t>
             </a:r>
           </a:p>
           <a:p>
             <a:pPr lvl="1"/>
             <a:r>
-              <a:rPr lang="en-US"/>
+              <a:rPr lang="en-US" smtClean="0"/>
               <a:t>Second level</a:t>
             </a:r>
           </a:p>
           <a:p>
             <a:pPr lvl="2"/>
             <a:r>
-              <a:rPr lang="en-US"/>
+              <a:rPr lang="en-US" smtClean="0"/>
               <a:t>Third level</a:t>
             </a:r>
           </a:p>
           <a:p>
             <a:pPr lvl="3"/>
             <a:r>
-              <a:rPr lang="en-US"/>
+              <a:rPr lang="en-US" smtClean="0"/>
               <a:t>Fourth level</a:t>
             </a:r>
           </a:p>
           <a:p>
             <a:pPr lvl="4"/>
             <a:r>
-              <a:rPr lang="en-US"/>
+              <a:rPr lang="en-US" smtClean="0"/>
               <a:t>Fifth level</a:t>
             </a:r>
             <a:endParaRPr lang="en-GB"/>
@@ -2741,7 +2725,7 @@
           <a:p>
             <a:fld id="{6BA5D40C-A8DC-479A-A5D3-E7B4936A184B}" type="datetimeFigureOut">
               <a:rPr lang="en-GB" smtClean="0"/>
-              <a:t>07/07/2020</a:t>
+              <a:t>15/07/2015</a:t>
             </a:fld>
             <a:endParaRPr lang="en-GB"/>
           </a:p>
@@ -3116,20 +3100,55 @@
           <a:chExt cx="0" cy="0"/>
         </a:xfrm>
       </p:grpSpPr>
-      <p:grpSp>
+      <p:grpSp xmlns:a="http://schemas.openxmlformats.org/drawingml/2006/main" xmlns:r="http://schemas.openxmlformats.org/officeDocument/2006/relationships" xmlns:p="http://schemas.openxmlformats.org/presentationml/2006/main" xmlns:pic="http://schemas.openxmlformats.org/drawingml/2006/picture">
         <p:nvGrpSpPr>
-          <p:cNvPr id="2" name="Group 1"/>
+          <p:cNvPr id="2" name=""/>
           <p:cNvGrpSpPr/>
           <p:nvPr/>
         </p:nvGrpSpPr>
         <p:grpSpPr>
           <a:xfrm>
-            <a:off x="3027302" y="1671688"/>
-            <a:ext cx="1462852" cy="1940305"/>
-            <a:chOff x="3027302" y="1671688"/>
-            <a:chExt cx="1462852" cy="1940305"/>
+            <a:off x="1190625" y="1079500"/>
+            <a:ext cx="5181600" cy="3171825"/>
+            <a:chOff x="1190625" y="1079500"/>
+            <a:chExt cx="5181600" cy="3171825"/>
           </a:xfrm>
         </p:grpSpPr>
+        <p:sp>
+          <p:nvSpPr>
+            <p:cNvPr id="3" name="rc3"/>
+            <p:cNvSpPr/>
+            <p:nvPr/>
+          </p:nvSpPr>
+          <p:spPr>
+            <a:xfrm>
+              <a:off x="1190625" y="1079499"/>
+              <a:ext cx="5181599" cy="3171825"/>
+            </a:xfrm>
+            <a:prstGeom prst="rect">
+              <a:avLst/>
+            </a:prstGeom>
+            <a:solidFill>
+              <a:srgbClr val="FFFFFF">
+                <a:alpha val="100000"/>
+              </a:srgbClr>
+            </a:solidFill>
+            <a:ln w="9525" cap="rnd">
+              <a:solidFill>
+                <a:srgbClr val="FFFFFF">
+                  <a:alpha val="100000"/>
+                </a:srgbClr>
+              </a:solidFill>
+              <a:prstDash val="solid"/>
+              <a:round/>
+            </a:ln>
+          </p:spPr>
+          <p:txBody>
+            <a:bodyPr/>
+            <a:lstStyle/>
+            <a:p/>
+          </p:txBody>
+        </p:sp>
         <p:sp>
           <p:nvSpPr>
             <p:cNvPr id="4" name="tx4"/>
@@ -3138,7 +3157,7 @@
           </p:nvSpPr>
           <p:spPr>
             <a:xfrm>
-              <a:off x="3027302" y="1671688"/>
+              <a:off x="3060639" y="2000872"/>
               <a:ext cx="986153" cy="131105"/>
             </a:xfrm>
             <a:prstGeom prst="rect">
@@ -3147,10 +3166,10 @@
             <a:noFill/>
           </p:spPr>
           <p:txBody>
-            <a:bodyPr wrap="none" lIns="0" tIns="0" rIns="0" bIns="0" anchor="ctr" anchorCtr="1"/>
+            <a:bodyPr lIns="0" rIns="0" tIns="0" bIns="0" anchorCtr="1" anchor="ctr" wrap="none"/>
             <a:lstStyle/>
             <a:p>
-              <a:pPr marL="0" marR="0" indent="0" algn="l">
+              <a:pPr algn="l" marL="0" marR="0" indent="0">
                 <a:lnSpc>
                   <a:spcPts val="1100"/>
                 </a:lnSpc>
@@ -3162,7 +3181,7 @@
                 </a:spcAft>
               </a:pPr>
               <a:r>
-                <a:rPr sz="1100" dirty="0">
+                <a:rPr sz="1100">
                   <a:solidFill>
                     <a:srgbClr val="000000">
                       <a:alpha val="100000"/>
@@ -3184,20 +3203,20 @@
           </p:nvSpPr>
           <p:spPr>
             <a:xfrm>
-              <a:off x="3064777" y="1931295"/>
+              <a:off x="3098114" y="2260479"/>
               <a:ext cx="144506" cy="144506"/>
             </a:xfrm>
             <a:prstGeom prst="ellipse">
               <a:avLst/>
             </a:prstGeom>
             <a:solidFill>
-              <a:srgbClr val="EE11EE">
+              <a:srgbClr val="11DD11">
                 <a:alpha val="100000"/>
               </a:srgbClr>
             </a:solidFill>
             <a:ln w="9000" cap="rnd">
               <a:solidFill>
-                <a:srgbClr val="EE11EE">
+                <a:srgbClr val="11DD11">
                   <a:alpha val="100000"/>
                 </a:srgbClr>
               </a:solidFill>
@@ -3208,9 +3227,7 @@
           <p:txBody>
             <a:bodyPr/>
             <a:lstStyle/>
-            <a:p>
-              <a:endParaRPr/>
-            </a:p>
+            <a:p/>
           </p:txBody>
         </p:sp>
         <p:sp>
@@ -3221,20 +3238,20 @@
           </p:nvSpPr>
           <p:spPr>
             <a:xfrm>
-              <a:off x="3064777" y="2150751"/>
+              <a:off x="3098114" y="2479935"/>
               <a:ext cx="144506" cy="144506"/>
             </a:xfrm>
             <a:prstGeom prst="ellipse">
               <a:avLst/>
             </a:prstGeom>
             <a:solidFill>
-              <a:srgbClr val="003865">
+              <a:srgbClr val="BE4D00">
                 <a:alpha val="100000"/>
               </a:srgbClr>
             </a:solidFill>
             <a:ln w="9000" cap="rnd">
               <a:solidFill>
-                <a:srgbClr val="003865">
+                <a:srgbClr val="BE4D00">
                   <a:alpha val="100000"/>
                 </a:srgbClr>
               </a:solidFill>
@@ -3245,9 +3262,7 @@
           <p:txBody>
             <a:bodyPr/>
             <a:lstStyle/>
-            <a:p>
-              <a:endParaRPr/>
-            </a:p>
+            <a:p/>
           </p:txBody>
         </p:sp>
         <p:sp>
@@ -3258,7 +3273,42 @@
           </p:nvSpPr>
           <p:spPr>
             <a:xfrm>
-              <a:off x="3064777" y="2370207"/>
+              <a:off x="3098114" y="2699391"/>
+              <a:ext cx="144506" cy="144506"/>
+            </a:xfrm>
+            <a:prstGeom prst="ellipse">
+              <a:avLst/>
+            </a:prstGeom>
+            <a:solidFill>
+              <a:srgbClr val="00B5D1">
+                <a:alpha val="100000"/>
+              </a:srgbClr>
+            </a:solidFill>
+            <a:ln w="9000" cap="rnd">
+              <a:solidFill>
+                <a:srgbClr val="00B5D1">
+                  <a:alpha val="100000"/>
+                </a:srgbClr>
+              </a:solidFill>
+              <a:prstDash val="solid"/>
+              <a:round/>
+            </a:ln>
+          </p:spPr>
+          <p:txBody>
+            <a:bodyPr/>
+            <a:lstStyle/>
+            <a:p/>
+          </p:txBody>
+        </p:sp>
+        <p:sp>
+          <p:nvSpPr>
+            <p:cNvPr id="8" name="pt8"/>
+            <p:cNvSpPr/>
+            <p:nvPr/>
+          </p:nvSpPr>
+          <p:spPr>
+            <a:xfrm>
+              <a:off x="3098114" y="2918847"/>
               <a:ext cx="144506" cy="144506"/>
             </a:xfrm>
             <a:prstGeom prst="ellipse">
@@ -3282,20 +3332,18 @@
           <p:txBody>
             <a:bodyPr/>
             <a:lstStyle/>
-            <a:p>
-              <a:endParaRPr/>
-            </a:p>
+            <a:p/>
           </p:txBody>
         </p:sp>
         <p:sp>
           <p:nvSpPr>
-            <p:cNvPr id="8" name="pt8"/>
+            <p:cNvPr id="9" name="pt9"/>
             <p:cNvSpPr/>
             <p:nvPr/>
           </p:nvSpPr>
           <p:spPr>
             <a:xfrm>
-              <a:off x="3064777" y="2589663"/>
+              <a:off x="3098114" y="3138303"/>
               <a:ext cx="144506" cy="144506"/>
             </a:xfrm>
             <a:prstGeom prst="ellipse">
@@ -3319,168 +3367,18 @@
           <p:txBody>
             <a:bodyPr/>
             <a:lstStyle/>
-            <a:p>
-              <a:endParaRPr/>
-            </a:p>
+            <a:p/>
           </p:txBody>
         </p:sp>
         <p:sp>
           <p:nvSpPr>
-            <p:cNvPr id="9" name="pt9"/>
+            <p:cNvPr id="10" name="tx10"/>
             <p:cNvSpPr/>
             <p:nvPr/>
           </p:nvSpPr>
           <p:spPr>
             <a:xfrm>
-              <a:off x="3064777" y="2809119"/>
-              <a:ext cx="144506" cy="144506"/>
-            </a:xfrm>
-            <a:prstGeom prst="ellipse">
-              <a:avLst/>
-            </a:prstGeom>
-            <a:solidFill>
-              <a:srgbClr val="FFB948">
-                <a:alpha val="100000"/>
-              </a:srgbClr>
-            </a:solidFill>
-            <a:ln w="9000" cap="rnd">
-              <a:solidFill>
-                <a:srgbClr val="FFB948">
-                  <a:alpha val="100000"/>
-                </a:srgbClr>
-              </a:solidFill>
-              <a:prstDash val="solid"/>
-              <a:round/>
-            </a:ln>
-          </p:spPr>
-          <p:txBody>
-            <a:bodyPr/>
-            <a:lstStyle/>
-            <a:p>
-              <a:endParaRPr/>
-            </a:p>
-          </p:txBody>
-        </p:sp>
-        <p:sp>
-          <p:nvSpPr>
-            <p:cNvPr id="10" name="pt10"/>
-            <p:cNvSpPr/>
-            <p:nvPr/>
-          </p:nvSpPr>
-          <p:spPr>
-            <a:xfrm>
-              <a:off x="3064777" y="3028575"/>
-              <a:ext cx="144506" cy="144506"/>
-            </a:xfrm>
-            <a:prstGeom prst="ellipse">
-              <a:avLst/>
-            </a:prstGeom>
-            <a:solidFill>
-              <a:srgbClr val="951272">
-                <a:alpha val="100000"/>
-              </a:srgbClr>
-            </a:solidFill>
-            <a:ln w="9000" cap="rnd">
-              <a:solidFill>
-                <a:srgbClr val="951272">
-                  <a:alpha val="100000"/>
-                </a:srgbClr>
-              </a:solidFill>
-              <a:prstDash val="solid"/>
-              <a:round/>
-            </a:ln>
-          </p:spPr>
-          <p:txBody>
-            <a:bodyPr/>
-            <a:lstStyle/>
-            <a:p>
-              <a:endParaRPr/>
-            </a:p>
-          </p:txBody>
-        </p:sp>
-        <p:sp>
-          <p:nvSpPr>
-            <p:cNvPr id="11" name="pt11"/>
-            <p:cNvSpPr/>
-            <p:nvPr/>
-          </p:nvSpPr>
-          <p:spPr>
-            <a:xfrm>
-              <a:off x="3064777" y="3248031"/>
-              <a:ext cx="144506" cy="144506"/>
-            </a:xfrm>
-            <a:prstGeom prst="ellipse">
-              <a:avLst/>
-            </a:prstGeom>
-            <a:solidFill>
-              <a:srgbClr val="BE4D00">
-                <a:alpha val="100000"/>
-              </a:srgbClr>
-            </a:solidFill>
-            <a:ln w="9000" cap="rnd">
-              <a:solidFill>
-                <a:srgbClr val="BE4D00">
-                  <a:alpha val="100000"/>
-                </a:srgbClr>
-              </a:solidFill>
-              <a:prstDash val="solid"/>
-              <a:round/>
-            </a:ln>
-          </p:spPr>
-          <p:txBody>
-            <a:bodyPr/>
-            <a:lstStyle/>
-            <a:p>
-              <a:endParaRPr/>
-            </a:p>
-          </p:txBody>
-        </p:sp>
-        <p:sp>
-          <p:nvSpPr>
-            <p:cNvPr id="12" name="pt12"/>
-            <p:cNvSpPr/>
-            <p:nvPr/>
-          </p:nvSpPr>
-          <p:spPr>
-            <a:xfrm>
-              <a:off x="3064777" y="3467487"/>
-              <a:ext cx="144506" cy="144506"/>
-            </a:xfrm>
-            <a:prstGeom prst="ellipse">
-              <a:avLst/>
-            </a:prstGeom>
-            <a:solidFill>
-              <a:srgbClr val="00B5D1">
-                <a:alpha val="100000"/>
-              </a:srgbClr>
-            </a:solidFill>
-            <a:ln w="9000" cap="rnd">
-              <a:solidFill>
-                <a:srgbClr val="00B5D1">
-                  <a:alpha val="100000"/>
-                </a:srgbClr>
-              </a:solidFill>
-              <a:prstDash val="solid"/>
-              <a:round/>
-            </a:ln>
-          </p:spPr>
-          <p:txBody>
-            <a:bodyPr/>
-            <a:lstStyle/>
-            <a:p>
-              <a:endParaRPr/>
-            </a:p>
-          </p:txBody>
-        </p:sp>
-        <p:sp>
-          <p:nvSpPr>
-            <p:cNvPr id="13" name="tx13"/>
-            <p:cNvSpPr/>
-            <p:nvPr/>
-          </p:nvSpPr>
-          <p:spPr>
-            <a:xfrm>
-              <a:off x="3316347" y="1938664"/>
+              <a:off x="3349685" y="2267848"/>
               <a:ext cx="763984" cy="104884"/>
             </a:xfrm>
             <a:prstGeom prst="rect">
@@ -3489,10 +3387,10 @@
             <a:noFill/>
           </p:spPr>
           <p:txBody>
-            <a:bodyPr wrap="none" lIns="0" tIns="0" rIns="0" bIns="0" anchor="ctr" anchorCtr="1"/>
+            <a:bodyPr lIns="0" rIns="0" tIns="0" bIns="0" anchorCtr="1" anchor="ctr" wrap="none"/>
             <a:lstStyle/>
             <a:p>
-              <a:pPr marL="0" marR="0" indent="0" algn="l">
+              <a:pPr algn="l" marL="0" marR="0" indent="0">
                 <a:lnSpc>
                   <a:spcPts val="880"/>
                 </a:lnSpc>
@@ -3513,21 +3411,21 @@
                   <a:latin typeface="Arial"/>
                   <a:cs typeface="Arial"/>
                 </a:rPr>
-                <a:t>Toxicology (33)</a:t>
+                <a:t>Toxicology (18)</a:t>
               </a:r>
             </a:p>
           </p:txBody>
         </p:sp>
         <p:sp>
           <p:nvSpPr>
-            <p:cNvPr id="14" name="tx14"/>
+            <p:cNvPr id="11" name="tx11"/>
             <p:cNvSpPr/>
             <p:nvPr/>
           </p:nvSpPr>
           <p:spPr>
             <a:xfrm>
-              <a:off x="3316347" y="2158120"/>
-              <a:ext cx="1130751" cy="104884"/>
+              <a:off x="3349685" y="2487304"/>
+              <a:ext cx="1111651" cy="104884"/>
             </a:xfrm>
             <a:prstGeom prst="rect">
               <a:avLst/>
@@ -3535,80 +3433,10 @@
             <a:noFill/>
           </p:spPr>
           <p:txBody>
-            <a:bodyPr wrap="none" lIns="0" tIns="0" rIns="0" bIns="0" anchor="ctr" anchorCtr="1"/>
+            <a:bodyPr lIns="0" rIns="0" tIns="0" bIns="0" anchorCtr="1" anchor="ctr" wrap="none"/>
             <a:lstStyle/>
             <a:p>
-              <a:pPr marL="0" marR="0" indent="0" algn="l">
-                <a:lnSpc>
-                  <a:spcPts val="880"/>
-                </a:lnSpc>
-                <a:spcBef>
-                  <a:spcPts val="0"/>
-                </a:spcBef>
-                <a:spcAft>
-                  <a:spcPts val="0"/>
-                </a:spcAft>
-              </a:pPr>
-              <a:r>
-                <a:rPr sz="880" dirty="0">
-                  <a:solidFill>
-                    <a:srgbClr val="000000">
-                      <a:alpha val="100000"/>
-                    </a:srgbClr>
-                  </a:solidFill>
-                  <a:latin typeface="Arial"/>
-                  <a:cs typeface="Arial"/>
-                </a:rPr>
-                <a:t>Longitudinal study (2</a:t>
-              </a:r>
-              <a:r>
-                <a:rPr lang="en-GB" sz="880" dirty="0">
-                  <a:solidFill>
-                    <a:srgbClr val="000000">
-                      <a:alpha val="100000"/>
-                    </a:srgbClr>
-                  </a:solidFill>
-                  <a:latin typeface="Arial"/>
-                  <a:cs typeface="Arial"/>
-                </a:rPr>
-                <a:t>1</a:t>
-              </a:r>
-              <a:r>
-                <a:rPr sz="880" dirty="0">
-                  <a:solidFill>
-                    <a:srgbClr val="000000">
-                      <a:alpha val="100000"/>
-                    </a:srgbClr>
-                  </a:solidFill>
-                  <a:latin typeface="Arial"/>
-                  <a:cs typeface="Arial"/>
-                </a:rPr>
-                <a:t>)</a:t>
-              </a:r>
-            </a:p>
-          </p:txBody>
-        </p:sp>
-        <p:sp>
-          <p:nvSpPr>
-            <p:cNvPr id="15" name="tx15"/>
-            <p:cNvSpPr/>
-            <p:nvPr/>
-          </p:nvSpPr>
-          <p:spPr>
-            <a:xfrm>
-              <a:off x="3316347" y="2377576"/>
-              <a:ext cx="1055935" cy="104884"/>
-            </a:xfrm>
-            <a:prstGeom prst="rect">
-              <a:avLst/>
-            </a:prstGeom>
-            <a:noFill/>
-          </p:spPr>
-          <p:txBody>
-            <a:bodyPr wrap="none" lIns="0" tIns="0" rIns="0" bIns="0" anchor="ctr" anchorCtr="1"/>
-            <a:lstStyle/>
-            <a:p>
-              <a:pPr marL="0" marR="0" indent="0" algn="l">
+              <a:pPr algn="l" marL="0" marR="0" indent="0">
                 <a:lnSpc>
                   <a:spcPts val="880"/>
                 </a:lnSpc>
@@ -3629,21 +3457,21 @@
                   <a:latin typeface="Arial"/>
                   <a:cs typeface="Arial"/>
                 </a:rPr>
-                <a:t>Literature review (14)</a:t>
+                <a:t>Systematic Review (9)</a:t>
               </a:r>
             </a:p>
           </p:txBody>
         </p:sp>
         <p:sp>
           <p:nvSpPr>
-            <p:cNvPr id="16" name="tx16"/>
+            <p:cNvPr id="12" name="tx12"/>
             <p:cNvSpPr/>
             <p:nvPr/>
           </p:nvSpPr>
           <p:spPr>
             <a:xfrm>
-              <a:off x="3316347" y="2597032"/>
-              <a:ext cx="999946" cy="104884"/>
+              <a:off x="3349685" y="2706760"/>
+              <a:ext cx="993779" cy="104884"/>
             </a:xfrm>
             <a:prstGeom prst="rect">
               <a:avLst/>
@@ -3651,56 +3479,10 @@
             <a:noFill/>
           </p:spPr>
           <p:txBody>
-            <a:bodyPr wrap="none" lIns="0" tIns="0" rIns="0" bIns="0" anchor="ctr" anchorCtr="1"/>
+            <a:bodyPr lIns="0" rIns="0" tIns="0" bIns="0" anchorCtr="1" anchor="ctr" wrap="none"/>
             <a:lstStyle/>
             <a:p>
-              <a:pPr marL="0" marR="0" indent="0" algn="l">
-                <a:lnSpc>
-                  <a:spcPts val="880"/>
-                </a:lnSpc>
-                <a:spcBef>
-                  <a:spcPts val="0"/>
-                </a:spcBef>
-                <a:spcAft>
-                  <a:spcPts val="0"/>
-                </a:spcAft>
-              </a:pPr>
-              <a:r>
-                <a:rPr sz="880" dirty="0">
-                  <a:solidFill>
-                    <a:srgbClr val="000000">
-                      <a:alpha val="100000"/>
-                    </a:srgbClr>
-                  </a:solidFill>
-                  <a:latin typeface="Arial"/>
-                  <a:cs typeface="Arial"/>
-                </a:rPr>
-                <a:t>Cross-sectional (13)</a:t>
-              </a:r>
-            </a:p>
-          </p:txBody>
-        </p:sp>
-        <p:sp>
-          <p:nvSpPr>
-            <p:cNvPr id="17" name="tx17"/>
-            <p:cNvSpPr/>
-            <p:nvPr/>
-          </p:nvSpPr>
-          <p:spPr>
-            <a:xfrm>
-              <a:off x="3316347" y="2816488"/>
-              <a:ext cx="1173807" cy="104884"/>
-            </a:xfrm>
-            <a:prstGeom prst="rect">
-              <a:avLst/>
-            </a:prstGeom>
-            <a:noFill/>
-          </p:spPr>
-          <p:txBody>
-            <a:bodyPr wrap="none" lIns="0" tIns="0" rIns="0" bIns="0" anchor="ctr" anchorCtr="1"/>
-            <a:lstStyle/>
-            <a:p>
-              <a:pPr marL="0" marR="0" indent="0" algn="l">
+              <a:pPr algn="l" marL="0" marR="0" indent="0">
                 <a:lnSpc>
                   <a:spcPts val="880"/>
                 </a:lnSpc>
@@ -3721,21 +3503,21 @@
                   <a:latin typeface="Arial"/>
                   <a:cs typeface="Arial"/>
                 </a:rPr>
-                <a:t>Systematic Review (13)</a:t>
+                <a:t>Literature review (8)</a:t>
               </a:r>
             </a:p>
           </p:txBody>
         </p:sp>
         <p:sp>
           <p:nvSpPr>
-            <p:cNvPr id="18" name="tx18"/>
+            <p:cNvPr id="13" name="tx13"/>
             <p:cNvSpPr/>
             <p:nvPr/>
           </p:nvSpPr>
           <p:spPr>
             <a:xfrm>
-              <a:off x="3316347" y="3035944"/>
-              <a:ext cx="397326" cy="104884"/>
+              <a:off x="3349685" y="2926216"/>
+              <a:ext cx="1068595" cy="104884"/>
             </a:xfrm>
             <a:prstGeom prst="rect">
               <a:avLst/>
@@ -3743,10 +3525,10 @@
             <a:noFill/>
           </p:spPr>
           <p:txBody>
-            <a:bodyPr wrap="none" lIns="0" tIns="0" rIns="0" bIns="0" anchor="ctr" anchorCtr="1"/>
+            <a:bodyPr lIns="0" rIns="0" tIns="0" bIns="0" anchorCtr="1" anchor="ctr" wrap="none"/>
             <a:lstStyle/>
             <a:p>
-              <a:pPr marL="0" marR="0" indent="0" algn="l">
+              <a:pPr algn="l" marL="0" marR="0" indent="0">
                 <a:lnSpc>
                   <a:spcPts val="880"/>
                 </a:lnSpc>
@@ -3767,21 +3549,21 @@
                   <a:latin typeface="Arial"/>
                   <a:cs typeface="Arial"/>
                 </a:rPr>
-                <a:t>RCT (4)</a:t>
+                <a:t>Longitudinal study (8)</a:t>
               </a:r>
             </a:p>
           </p:txBody>
         </p:sp>
         <p:sp>
           <p:nvSpPr>
-            <p:cNvPr id="19" name="tx19"/>
+            <p:cNvPr id="14" name="tx14"/>
             <p:cNvSpPr/>
             <p:nvPr/>
           </p:nvSpPr>
           <p:spPr>
             <a:xfrm>
-              <a:off x="3316347" y="3255400"/>
-              <a:ext cx="987613" cy="104884"/>
+              <a:off x="3349685" y="3145672"/>
+              <a:ext cx="937790" cy="104884"/>
             </a:xfrm>
             <a:prstGeom prst="rect">
               <a:avLst/>
@@ -3789,10 +3571,10 @@
             <a:noFill/>
           </p:spPr>
           <p:txBody>
-            <a:bodyPr wrap="none" lIns="0" tIns="0" rIns="0" bIns="0" anchor="ctr" anchorCtr="1"/>
+            <a:bodyPr lIns="0" rIns="0" tIns="0" bIns="0" anchorCtr="1" anchor="ctr" wrap="none"/>
             <a:lstStyle/>
             <a:p>
-              <a:pPr marL="0" marR="0" indent="0" algn="l">
+              <a:pPr algn="l" marL="0" marR="0" indent="0">
                 <a:lnSpc>
                   <a:spcPts val="880"/>
                 </a:lnSpc>
@@ -3813,53 +3595,7 @@
                   <a:latin typeface="Arial"/>
                   <a:cs typeface="Arial"/>
                 </a:rPr>
-                <a:t>Policy document (2)</a:t>
-              </a:r>
-            </a:p>
-          </p:txBody>
-        </p:sp>
-        <p:sp>
-          <p:nvSpPr>
-            <p:cNvPr id="20" name="tx20"/>
-            <p:cNvSpPr/>
-            <p:nvPr/>
-          </p:nvSpPr>
-          <p:spPr>
-            <a:xfrm>
-              <a:off x="3316347" y="3474856"/>
-              <a:ext cx="1030996" cy="104884"/>
-            </a:xfrm>
-            <a:prstGeom prst="rect">
-              <a:avLst/>
-            </a:prstGeom>
-            <a:noFill/>
-          </p:spPr>
-          <p:txBody>
-            <a:bodyPr wrap="none" lIns="0" tIns="0" rIns="0" bIns="0" anchor="ctr" anchorCtr="1"/>
-            <a:lstStyle/>
-            <a:p>
-              <a:pPr marL="0" marR="0" indent="0" algn="l">
-                <a:lnSpc>
-                  <a:spcPts val="880"/>
-                </a:lnSpc>
-                <a:spcBef>
-                  <a:spcPts val="0"/>
-                </a:spcBef>
-                <a:spcAft>
-                  <a:spcPts val="0"/>
-                </a:spcAft>
-              </a:pPr>
-              <a:r>
-                <a:rPr sz="880">
-                  <a:solidFill>
-                    <a:srgbClr val="000000">
-                      <a:alpha val="100000"/>
-                    </a:srgbClr>
-                  </a:solidFill>
-                  <a:latin typeface="Arial"/>
-                  <a:cs typeface="Arial"/>
-                </a:rPr>
-                <a:t>Forensic analysis (1)</a:t>
+                <a:t>Cross-sectional (6)</a:t>
               </a:r>
             </a:p>
           </p:txBody>

--- a/outputs/legend_stud_paper.pptx
+++ b/outputs/legend_stud_paper.pptx
@@ -3157,7 +3157,7 @@
           </p:nvSpPr>
           <p:spPr>
             <a:xfrm>
-              <a:off x="3060639" y="2000872"/>
+              <a:off x="3060639" y="1671688"/>
               <a:ext cx="986153" cy="131105"/>
             </a:xfrm>
             <a:prstGeom prst="rect">
@@ -3203,7 +3203,7 @@
           </p:nvSpPr>
           <p:spPr>
             <a:xfrm>
-              <a:off x="3098114" y="2260479"/>
+              <a:off x="3098114" y="1931295"/>
               <a:ext cx="144506" cy="144506"/>
             </a:xfrm>
             <a:prstGeom prst="ellipse">
@@ -3238,7 +3238,7 @@
           </p:nvSpPr>
           <p:spPr>
             <a:xfrm>
-              <a:off x="3098114" y="2479935"/>
+              <a:off x="3098114" y="2150751"/>
               <a:ext cx="144506" cy="144506"/>
             </a:xfrm>
             <a:prstGeom prst="ellipse">
@@ -3273,7 +3273,7 @@
           </p:nvSpPr>
           <p:spPr>
             <a:xfrm>
-              <a:off x="3098114" y="2699391"/>
+              <a:off x="3098114" y="2370207"/>
               <a:ext cx="144506" cy="144506"/>
             </a:xfrm>
             <a:prstGeom prst="ellipse">
@@ -3308,7 +3308,7 @@
           </p:nvSpPr>
           <p:spPr>
             <a:xfrm>
-              <a:off x="3098114" y="2918847"/>
+              <a:off x="3098114" y="2589663"/>
               <a:ext cx="144506" cy="144506"/>
             </a:xfrm>
             <a:prstGeom prst="ellipse">
@@ -3343,7 +3343,7 @@
           </p:nvSpPr>
           <p:spPr>
             <a:xfrm>
-              <a:off x="3098114" y="3138303"/>
+              <a:off x="3098114" y="2809119"/>
               <a:ext cx="144506" cy="144506"/>
             </a:xfrm>
             <a:prstGeom prst="ellipse">
@@ -3372,13 +3372,104 @@
         </p:sp>
         <p:sp>
           <p:nvSpPr>
-            <p:cNvPr id="10" name="tx10"/>
+            <p:cNvPr id="10" name="pt10"/>
             <p:cNvSpPr/>
             <p:nvPr/>
           </p:nvSpPr>
           <p:spPr>
             <a:xfrm>
-              <a:off x="3349685" y="2267848"/>
+              <a:off x="3098114" y="3028575"/>
+              <a:ext cx="144506" cy="144506"/>
+            </a:xfrm>
+            <a:prstGeom prst="ellipse">
+              <a:avLst/>
+            </a:prstGeom>
+            <a:solidFill>
+              <a:srgbClr val="003865">
+                <a:alpha val="100000"/>
+              </a:srgbClr>
+            </a:solidFill>
+            <a:ln w="9000" cap="rnd">
+              <a:solidFill>
+                <a:srgbClr val="003865">
+                  <a:alpha val="100000"/>
+                </a:srgbClr>
+              </a:solidFill>
+              <a:prstDash val="solid"/>
+              <a:round/>
+            </a:ln>
+          </p:spPr>
+          <p:txBody>
+            <a:bodyPr/>
+            <a:lstStyle/>
+            <a:p/>
+          </p:txBody>
+        </p:sp>
+        <p:sp>
+          <p:nvSpPr>
+            <p:cNvPr id="11" name="pt11"/>
+            <p:cNvSpPr/>
+            <p:nvPr/>
+          </p:nvSpPr>
+          <p:spPr>
+            <a:xfrm>
+              <a:off x="3098114" y="3248031"/>
+              <a:ext cx="144506" cy="144506"/>
+            </a:xfrm>
+            <a:prstGeom prst="ellipse">
+              <a:avLst/>
+            </a:prstGeom>
+          </p:spPr>
+          <p:txBody>
+            <a:bodyPr/>
+            <a:lstStyle/>
+            <a:p/>
+          </p:txBody>
+        </p:sp>
+        <p:sp>
+          <p:nvSpPr>
+            <p:cNvPr id="12" name="pt12"/>
+            <p:cNvSpPr/>
+            <p:nvPr/>
+          </p:nvSpPr>
+          <p:spPr>
+            <a:xfrm>
+              <a:off x="3098114" y="3467487"/>
+              <a:ext cx="144506" cy="144506"/>
+            </a:xfrm>
+            <a:prstGeom prst="ellipse">
+              <a:avLst/>
+            </a:prstGeom>
+            <a:solidFill>
+              <a:srgbClr val="951272">
+                <a:alpha val="100000"/>
+              </a:srgbClr>
+            </a:solidFill>
+            <a:ln w="9000" cap="rnd">
+              <a:solidFill>
+                <a:srgbClr val="951272">
+                  <a:alpha val="100000"/>
+                </a:srgbClr>
+              </a:solidFill>
+              <a:prstDash val="solid"/>
+              <a:round/>
+            </a:ln>
+          </p:spPr>
+          <p:txBody>
+            <a:bodyPr/>
+            <a:lstStyle/>
+            <a:p/>
+          </p:txBody>
+        </p:sp>
+        <p:sp>
+          <p:nvSpPr>
+            <p:cNvPr id="13" name="tx13"/>
+            <p:cNvSpPr/>
+            <p:nvPr/>
+          </p:nvSpPr>
+          <p:spPr>
+            <a:xfrm>
+              <a:off x="3349685" y="1938664"/>
               <a:ext cx="763984" cy="104884"/>
             </a:xfrm>
             <a:prstGeom prst="rect">
@@ -3418,13 +3509,13 @@
         </p:sp>
         <p:sp>
           <p:nvSpPr>
-            <p:cNvPr id="11" name="tx11"/>
+            <p:cNvPr id="14" name="tx14"/>
             <p:cNvSpPr/>
             <p:nvPr/>
           </p:nvSpPr>
           <p:spPr>
             <a:xfrm>
-              <a:off x="3349685" y="2487304"/>
+              <a:off x="3349685" y="2158120"/>
               <a:ext cx="1111651" cy="104884"/>
             </a:xfrm>
             <a:prstGeom prst="rect">
@@ -3464,13 +3555,13 @@
         </p:sp>
         <p:sp>
           <p:nvSpPr>
-            <p:cNvPr id="12" name="tx12"/>
+            <p:cNvPr id="15" name="tx15"/>
             <p:cNvSpPr/>
             <p:nvPr/>
           </p:nvSpPr>
           <p:spPr>
             <a:xfrm>
-              <a:off x="3349685" y="2706760"/>
+              <a:off x="3349685" y="2377576"/>
               <a:ext cx="993779" cy="104884"/>
             </a:xfrm>
             <a:prstGeom prst="rect">
@@ -3510,13 +3601,13 @@
         </p:sp>
         <p:sp>
           <p:nvSpPr>
-            <p:cNvPr id="13" name="tx13"/>
+            <p:cNvPr id="16" name="tx16"/>
             <p:cNvSpPr/>
             <p:nvPr/>
           </p:nvSpPr>
           <p:spPr>
             <a:xfrm>
-              <a:off x="3349685" y="2926216"/>
+              <a:off x="3349685" y="2597032"/>
               <a:ext cx="1068595" cy="104884"/>
             </a:xfrm>
             <a:prstGeom prst="rect">
@@ -3556,13 +3647,13 @@
         </p:sp>
         <p:sp>
           <p:nvSpPr>
-            <p:cNvPr id="14" name="tx14"/>
+            <p:cNvPr id="17" name="tx17"/>
             <p:cNvSpPr/>
             <p:nvPr/>
           </p:nvSpPr>
           <p:spPr>
             <a:xfrm>
-              <a:off x="3349685" y="3145672"/>
+              <a:off x="3349685" y="2816488"/>
               <a:ext cx="937790" cy="104884"/>
             </a:xfrm>
             <a:prstGeom prst="rect">
@@ -3596,6 +3687,144 @@
                   <a:cs typeface="Arial"/>
                 </a:rPr>
                 <a:t>Cross-sectional (6)</a:t>
+              </a:r>
+            </a:p>
+          </p:txBody>
+        </p:sp>
+        <p:sp>
+          <p:nvSpPr>
+            <p:cNvPr id="18" name="tx18"/>
+            <p:cNvSpPr/>
+            <p:nvPr/>
+          </p:nvSpPr>
+          <p:spPr>
+            <a:xfrm>
+              <a:off x="3349685" y="3035944"/>
+              <a:ext cx="397326" cy="104884"/>
+            </a:xfrm>
+            <a:prstGeom prst="rect">
+              <a:avLst/>
+            </a:prstGeom>
+            <a:noFill/>
+          </p:spPr>
+          <p:txBody>
+            <a:bodyPr lIns="0" rIns="0" tIns="0" bIns="0" anchorCtr="1" anchor="ctr" wrap="none"/>
+            <a:lstStyle/>
+            <a:p>
+              <a:pPr algn="l" marL="0" marR="0" indent="0">
+                <a:lnSpc>
+                  <a:spcPts val="880"/>
+                </a:lnSpc>
+                <a:spcBef>
+                  <a:spcPts val="0"/>
+                </a:spcBef>
+                <a:spcAft>
+                  <a:spcPts val="0"/>
+                </a:spcAft>
+              </a:pPr>
+              <a:r>
+                <a:rPr sz="880">
+                  <a:solidFill>
+                    <a:srgbClr val="000000">
+                      <a:alpha val="100000"/>
+                    </a:srgbClr>
+                  </a:solidFill>
+                  <a:latin typeface="Arial"/>
+                  <a:cs typeface="Arial"/>
+                </a:rPr>
+                <a:t>RCT (4)</a:t>
+              </a:r>
+            </a:p>
+          </p:txBody>
+        </p:sp>
+        <p:sp>
+          <p:nvSpPr>
+            <p:cNvPr id="19" name="tx19"/>
+            <p:cNvSpPr/>
+            <p:nvPr/>
+          </p:nvSpPr>
+          <p:spPr>
+            <a:xfrm>
+              <a:off x="3349685" y="3255400"/>
+              <a:ext cx="322892" cy="104884"/>
+            </a:xfrm>
+            <a:prstGeom prst="rect">
+              <a:avLst/>
+            </a:prstGeom>
+            <a:noFill/>
+          </p:spPr>
+          <p:txBody>
+            <a:bodyPr lIns="0" rIns="0" tIns="0" bIns="0" anchorCtr="1" anchor="ctr" wrap="none"/>
+            <a:lstStyle/>
+            <a:p>
+              <a:pPr algn="l" marL="0" marR="0" indent="0">
+                <a:lnSpc>
+                  <a:spcPts val="880"/>
+                </a:lnSpc>
+                <a:spcBef>
+                  <a:spcPts val="0"/>
+                </a:spcBef>
+                <a:spcAft>
+                  <a:spcPts val="0"/>
+                </a:spcAft>
+              </a:pPr>
+              <a:r>
+                <a:rPr sz="880">
+                  <a:solidFill>
+                    <a:srgbClr val="000000">
+                      <a:alpha val="100000"/>
+                    </a:srgbClr>
+                  </a:solidFill>
+                  <a:latin typeface="Arial"/>
+                  <a:cs typeface="Arial"/>
+                </a:rPr>
+                <a:t>NA (2)</a:t>
+              </a:r>
+            </a:p>
+          </p:txBody>
+        </p:sp>
+        <p:sp>
+          <p:nvSpPr>
+            <p:cNvPr id="20" name="tx20"/>
+            <p:cNvSpPr/>
+            <p:nvPr/>
+          </p:nvSpPr>
+          <p:spPr>
+            <a:xfrm>
+              <a:off x="3349685" y="3474856"/>
+              <a:ext cx="1012279" cy="104884"/>
+            </a:xfrm>
+            <a:prstGeom prst="rect">
+              <a:avLst/>
+            </a:prstGeom>
+            <a:noFill/>
+          </p:spPr>
+          <p:txBody>
+            <a:bodyPr lIns="0" rIns="0" tIns="0" bIns="0" anchorCtr="1" anchor="ctr" wrap="none"/>
+            <a:lstStyle/>
+            <a:p>
+              <a:pPr algn="l" marL="0" marR="0" indent="0">
+                <a:lnSpc>
+                  <a:spcPts val="880"/>
+                </a:lnSpc>
+                <a:spcBef>
+                  <a:spcPts val="0"/>
+                </a:spcBef>
+                <a:spcAft>
+                  <a:spcPts val="0"/>
+                </a:spcAft>
+              </a:pPr>
+              <a:r>
+                <a:rPr sz="880">
+                  <a:solidFill>
+                    <a:srgbClr val="000000">
+                      <a:alpha val="100000"/>
+                    </a:srgbClr>
+                  </a:solidFill>
+                  <a:latin typeface="Arial"/>
+                  <a:cs typeface="Arial"/>
+                </a:rPr>
+                <a:t>Sytematic review (1)</a:t>
               </a:r>
             </a:p>
           </p:txBody>

--- a/outputs/legend_stud_paper.pptx
+++ b/outputs/legend_stud_paper.pptx
@@ -3157,7 +3157,7 @@
           </p:nvSpPr>
           <p:spPr>
             <a:xfrm>
-              <a:off x="3060639" y="1671688"/>
+              <a:off x="3060639" y="1781416"/>
               <a:ext cx="986153" cy="131105"/>
             </a:xfrm>
             <a:prstGeom prst="rect">
@@ -3203,7 +3203,7 @@
           </p:nvSpPr>
           <p:spPr>
             <a:xfrm>
-              <a:off x="3098114" y="1931295"/>
+              <a:off x="3098114" y="2041023"/>
               <a:ext cx="144506" cy="144506"/>
             </a:xfrm>
             <a:prstGeom prst="ellipse">
@@ -3238,7 +3238,7 @@
           </p:nvSpPr>
           <p:spPr>
             <a:xfrm>
-              <a:off x="3098114" y="2150751"/>
+              <a:off x="3098114" y="2260479"/>
               <a:ext cx="144506" cy="144506"/>
             </a:xfrm>
             <a:prstGeom prst="ellipse">
@@ -3273,7 +3273,7 @@
           </p:nvSpPr>
           <p:spPr>
             <a:xfrm>
-              <a:off x="3098114" y="2370207"/>
+              <a:off x="3098114" y="2479935"/>
               <a:ext cx="144506" cy="144506"/>
             </a:xfrm>
             <a:prstGeom prst="ellipse">
@@ -3308,7 +3308,7 @@
           </p:nvSpPr>
           <p:spPr>
             <a:xfrm>
-              <a:off x="3098114" y="2589663"/>
+              <a:off x="3098114" y="2699391"/>
               <a:ext cx="144506" cy="144506"/>
             </a:xfrm>
             <a:prstGeom prst="ellipse">
@@ -3343,7 +3343,7 @@
           </p:nvSpPr>
           <p:spPr>
             <a:xfrm>
-              <a:off x="3098114" y="2809119"/>
+              <a:off x="3098114" y="2918847"/>
               <a:ext cx="144506" cy="144506"/>
             </a:xfrm>
             <a:prstGeom prst="ellipse">
@@ -3378,7 +3378,7 @@
           </p:nvSpPr>
           <p:spPr>
             <a:xfrm>
-              <a:off x="3098114" y="3028575"/>
+              <a:off x="3098114" y="3138303"/>
               <a:ext cx="144506" cy="144506"/>
             </a:xfrm>
             <a:prstGeom prst="ellipse">
@@ -3413,28 +3413,7 @@
           </p:nvSpPr>
           <p:spPr>
             <a:xfrm>
-              <a:off x="3098114" y="3248031"/>
-              <a:ext cx="144506" cy="144506"/>
-            </a:xfrm>
-            <a:prstGeom prst="ellipse">
-              <a:avLst/>
-            </a:prstGeom>
-          </p:spPr>
-          <p:txBody>
-            <a:bodyPr/>
-            <a:lstStyle/>
-            <a:p/>
-          </p:txBody>
-        </p:sp>
-        <p:sp>
-          <p:nvSpPr>
-            <p:cNvPr id="12" name="pt12"/>
-            <p:cNvSpPr/>
-            <p:nvPr/>
-          </p:nvSpPr>
-          <p:spPr>
-            <a:xfrm>
-              <a:off x="3098114" y="3467487"/>
+              <a:off x="3098114" y="3357759"/>
               <a:ext cx="144506" cy="144506"/>
             </a:xfrm>
             <a:prstGeom prst="ellipse">
@@ -3463,13 +3442,13 @@
         </p:sp>
         <p:sp>
           <p:nvSpPr>
-            <p:cNvPr id="13" name="tx13"/>
+            <p:cNvPr id="12" name="tx12"/>
             <p:cNvSpPr/>
             <p:nvPr/>
           </p:nvSpPr>
           <p:spPr>
             <a:xfrm>
-              <a:off x="3349685" y="1938664"/>
+              <a:off x="3349685" y="2048392"/>
               <a:ext cx="763984" cy="104884"/>
             </a:xfrm>
             <a:prstGeom prst="rect">
@@ -3509,13 +3488,13 @@
         </p:sp>
         <p:sp>
           <p:nvSpPr>
-            <p:cNvPr id="14" name="tx14"/>
+            <p:cNvPr id="13" name="tx13"/>
             <p:cNvSpPr/>
             <p:nvPr/>
           </p:nvSpPr>
           <p:spPr>
             <a:xfrm>
-              <a:off x="3349685" y="2158120"/>
+              <a:off x="3349685" y="2267848"/>
               <a:ext cx="1111651" cy="104884"/>
             </a:xfrm>
             <a:prstGeom prst="rect">
@@ -3555,13 +3534,13 @@
         </p:sp>
         <p:sp>
           <p:nvSpPr>
-            <p:cNvPr id="15" name="tx15"/>
+            <p:cNvPr id="14" name="tx14"/>
             <p:cNvSpPr/>
             <p:nvPr/>
           </p:nvSpPr>
           <p:spPr>
             <a:xfrm>
-              <a:off x="3349685" y="2377576"/>
+              <a:off x="3349685" y="2487304"/>
               <a:ext cx="993779" cy="104884"/>
             </a:xfrm>
             <a:prstGeom prst="rect">
@@ -3601,13 +3580,13 @@
         </p:sp>
         <p:sp>
           <p:nvSpPr>
-            <p:cNvPr id="16" name="tx16"/>
+            <p:cNvPr id="15" name="tx15"/>
             <p:cNvSpPr/>
             <p:nvPr/>
           </p:nvSpPr>
           <p:spPr>
             <a:xfrm>
-              <a:off x="3349685" y="2597032"/>
+              <a:off x="3349685" y="2706760"/>
               <a:ext cx="1068595" cy="104884"/>
             </a:xfrm>
             <a:prstGeom prst="rect">
@@ -3647,13 +3626,13 @@
         </p:sp>
         <p:sp>
           <p:nvSpPr>
-            <p:cNvPr id="17" name="tx17"/>
+            <p:cNvPr id="16" name="tx16"/>
             <p:cNvSpPr/>
             <p:nvPr/>
           </p:nvSpPr>
           <p:spPr>
             <a:xfrm>
-              <a:off x="3349685" y="2816488"/>
+              <a:off x="3349685" y="2926216"/>
               <a:ext cx="937790" cy="104884"/>
             </a:xfrm>
             <a:prstGeom prst="rect">
@@ -3693,13 +3672,13 @@
         </p:sp>
         <p:sp>
           <p:nvSpPr>
-            <p:cNvPr id="18" name="tx18"/>
+            <p:cNvPr id="17" name="tx17"/>
             <p:cNvSpPr/>
             <p:nvPr/>
           </p:nvSpPr>
           <p:spPr>
             <a:xfrm>
-              <a:off x="3349685" y="3035944"/>
+              <a:off x="3349685" y="3145672"/>
               <a:ext cx="397326" cy="104884"/>
             </a:xfrm>
             <a:prstGeom prst="rect">
@@ -3739,59 +3718,13 @@
         </p:sp>
         <p:sp>
           <p:nvSpPr>
-            <p:cNvPr id="19" name="tx19"/>
+            <p:cNvPr id="18" name="tx18"/>
             <p:cNvSpPr/>
             <p:nvPr/>
           </p:nvSpPr>
           <p:spPr>
             <a:xfrm>
-              <a:off x="3349685" y="3255400"/>
-              <a:ext cx="322892" cy="104884"/>
-            </a:xfrm>
-            <a:prstGeom prst="rect">
-              <a:avLst/>
-            </a:prstGeom>
-            <a:noFill/>
-          </p:spPr>
-          <p:txBody>
-            <a:bodyPr lIns="0" rIns="0" tIns="0" bIns="0" anchorCtr="1" anchor="ctr" wrap="none"/>
-            <a:lstStyle/>
-            <a:p>
-              <a:pPr algn="l" marL="0" marR="0" indent="0">
-                <a:lnSpc>
-                  <a:spcPts val="880"/>
-                </a:lnSpc>
-                <a:spcBef>
-                  <a:spcPts val="0"/>
-                </a:spcBef>
-                <a:spcAft>
-                  <a:spcPts val="0"/>
-                </a:spcAft>
-              </a:pPr>
-              <a:r>
-                <a:rPr sz="880">
-                  <a:solidFill>
-                    <a:srgbClr val="000000">
-                      <a:alpha val="100000"/>
-                    </a:srgbClr>
-                  </a:solidFill>
-                  <a:latin typeface="Arial"/>
-                  <a:cs typeface="Arial"/>
-                </a:rPr>
-                <a:t>NA (2)</a:t>
-              </a:r>
-            </a:p>
-          </p:txBody>
-        </p:sp>
-        <p:sp>
-          <p:nvSpPr>
-            <p:cNvPr id="20" name="tx20"/>
-            <p:cNvSpPr/>
-            <p:nvPr/>
-          </p:nvSpPr>
-          <p:spPr>
-            <a:xfrm>
-              <a:off x="3349685" y="3474856"/>
+              <a:off x="3349685" y="3365128"/>
               <a:ext cx="1012279" cy="104884"/>
             </a:xfrm>
             <a:prstGeom prst="rect">

--- a/outputs/legend_stud_paper.pptx
+++ b/outputs/legend_stud_paper.pptx
@@ -3157,7 +3157,7 @@
           </p:nvSpPr>
           <p:spPr>
             <a:xfrm>
-              <a:off x="3060639" y="1781416"/>
+              <a:off x="3027302" y="1891144"/>
               <a:ext cx="986153" cy="131105"/>
             </a:xfrm>
             <a:prstGeom prst="rect">
@@ -3203,20 +3203,20 @@
           </p:nvSpPr>
           <p:spPr>
             <a:xfrm>
-              <a:off x="3098114" y="2041023"/>
+              <a:off x="3064777" y="2150751"/>
               <a:ext cx="144506" cy="144506"/>
             </a:xfrm>
             <a:prstGeom prst="ellipse">
               <a:avLst/>
             </a:prstGeom>
             <a:solidFill>
-              <a:srgbClr val="11DD11">
+              <a:srgbClr val="951272">
                 <a:alpha val="100000"/>
               </a:srgbClr>
             </a:solidFill>
             <a:ln w="9000" cap="rnd">
               <a:solidFill>
-                <a:srgbClr val="11DD11">
+                <a:srgbClr val="951272">
                   <a:alpha val="100000"/>
                 </a:srgbClr>
               </a:solidFill>
@@ -3238,7 +3238,7 @@
           </p:nvSpPr>
           <p:spPr>
             <a:xfrm>
-              <a:off x="3098114" y="2260479"/>
+              <a:off x="3064777" y="2370207"/>
               <a:ext cx="144506" cy="144506"/>
             </a:xfrm>
             <a:prstGeom prst="ellipse">
@@ -3273,7 +3273,7 @@
           </p:nvSpPr>
           <p:spPr>
             <a:xfrm>
-              <a:off x="3098114" y="2479935"/>
+              <a:off x="3064777" y="2589663"/>
               <a:ext cx="144506" cy="144506"/>
             </a:xfrm>
             <a:prstGeom prst="ellipse">
@@ -3308,7 +3308,7 @@
           </p:nvSpPr>
           <p:spPr>
             <a:xfrm>
-              <a:off x="3098114" y="2699391"/>
+              <a:off x="3064777" y="2809119"/>
               <a:ext cx="144506" cy="144506"/>
             </a:xfrm>
             <a:prstGeom prst="ellipse">
@@ -3343,7 +3343,7 @@
           </p:nvSpPr>
           <p:spPr>
             <a:xfrm>
-              <a:off x="3098114" y="2918847"/>
+              <a:off x="3064777" y="3028575"/>
               <a:ext cx="144506" cy="144506"/>
             </a:xfrm>
             <a:prstGeom prst="ellipse">
@@ -3378,7 +3378,7 @@
           </p:nvSpPr>
           <p:spPr>
             <a:xfrm>
-              <a:off x="3098114" y="3138303"/>
+              <a:off x="3064777" y="3248031"/>
               <a:ext cx="144506" cy="144506"/>
             </a:xfrm>
             <a:prstGeom prst="ellipse">
@@ -3407,48 +3407,13 @@
         </p:sp>
         <p:sp>
           <p:nvSpPr>
-            <p:cNvPr id="11" name="pt11"/>
+            <p:cNvPr id="11" name="tx11"/>
             <p:cNvSpPr/>
             <p:nvPr/>
           </p:nvSpPr>
           <p:spPr>
             <a:xfrm>
-              <a:off x="3098114" y="3357759"/>
-              <a:ext cx="144506" cy="144506"/>
-            </a:xfrm>
-            <a:prstGeom prst="ellipse">
-              <a:avLst/>
-            </a:prstGeom>
-            <a:solidFill>
-              <a:srgbClr val="951272">
-                <a:alpha val="100000"/>
-              </a:srgbClr>
-            </a:solidFill>
-            <a:ln w="9000" cap="rnd">
-              <a:solidFill>
-                <a:srgbClr val="951272">
-                  <a:alpha val="100000"/>
-                </a:srgbClr>
-              </a:solidFill>
-              <a:prstDash val="solid"/>
-              <a:round/>
-            </a:ln>
-          </p:spPr>
-          <p:txBody>
-            <a:bodyPr/>
-            <a:lstStyle/>
-            <a:p/>
-          </p:txBody>
-        </p:sp>
-        <p:sp>
-          <p:nvSpPr>
-            <p:cNvPr id="12" name="tx12"/>
-            <p:cNvSpPr/>
-            <p:nvPr/>
-          </p:nvSpPr>
-          <p:spPr>
-            <a:xfrm>
-              <a:off x="3349685" y="2048392"/>
+              <a:off x="3316347" y="2158120"/>
               <a:ext cx="763984" cy="104884"/>
             </a:xfrm>
             <a:prstGeom prst="rect">
@@ -3488,14 +3453,14 @@
         </p:sp>
         <p:sp>
           <p:nvSpPr>
-            <p:cNvPr id="13" name="tx13"/>
+            <p:cNvPr id="12" name="tx12"/>
             <p:cNvSpPr/>
             <p:nvPr/>
           </p:nvSpPr>
           <p:spPr>
             <a:xfrm>
-              <a:off x="3349685" y="2267848"/>
-              <a:ext cx="1111651" cy="104884"/>
+              <a:off x="3316347" y="2377576"/>
+              <a:ext cx="1173807" cy="104884"/>
             </a:xfrm>
             <a:prstGeom prst="rect">
               <a:avLst/>
@@ -3527,20 +3492,20 @@
                   <a:latin typeface="Arial"/>
                   <a:cs typeface="Arial"/>
                 </a:rPr>
-                <a:t>Systematic Review (9)</a:t>
+                <a:t>Systematic Review (10)</a:t>
               </a:r>
             </a:p>
           </p:txBody>
         </p:sp>
         <p:sp>
           <p:nvSpPr>
-            <p:cNvPr id="14" name="tx14"/>
+            <p:cNvPr id="13" name="tx13"/>
             <p:cNvSpPr/>
             <p:nvPr/>
           </p:nvSpPr>
           <p:spPr>
             <a:xfrm>
-              <a:off x="3349685" y="2487304"/>
+              <a:off x="3316347" y="2597032"/>
               <a:ext cx="993779" cy="104884"/>
             </a:xfrm>
             <a:prstGeom prst="rect">
@@ -3580,13 +3545,13 @@
         </p:sp>
         <p:sp>
           <p:nvSpPr>
-            <p:cNvPr id="15" name="tx15"/>
+            <p:cNvPr id="14" name="tx14"/>
             <p:cNvSpPr/>
             <p:nvPr/>
           </p:nvSpPr>
           <p:spPr>
             <a:xfrm>
-              <a:off x="3349685" y="2706760"/>
+              <a:off x="3316347" y="2816488"/>
               <a:ext cx="1068595" cy="104884"/>
             </a:xfrm>
             <a:prstGeom prst="rect">
@@ -3626,13 +3591,13 @@
         </p:sp>
         <p:sp>
           <p:nvSpPr>
-            <p:cNvPr id="16" name="tx16"/>
+            <p:cNvPr id="15" name="tx15"/>
             <p:cNvSpPr/>
             <p:nvPr/>
           </p:nvSpPr>
           <p:spPr>
             <a:xfrm>
-              <a:off x="3349685" y="2926216"/>
+              <a:off x="3316347" y="3035944"/>
               <a:ext cx="937790" cy="104884"/>
             </a:xfrm>
             <a:prstGeom prst="rect">
@@ -3665,20 +3630,20 @@
                   <a:latin typeface="Arial"/>
                   <a:cs typeface="Arial"/>
                 </a:rPr>
-                <a:t>Cross-sectional (6)</a:t>
+                <a:t>Cross-sectional (5)</a:t>
               </a:r>
             </a:p>
           </p:txBody>
         </p:sp>
         <p:sp>
           <p:nvSpPr>
-            <p:cNvPr id="17" name="tx17"/>
+            <p:cNvPr id="16" name="tx16"/>
             <p:cNvSpPr/>
             <p:nvPr/>
           </p:nvSpPr>
           <p:spPr>
             <a:xfrm>
-              <a:off x="3349685" y="3145672"/>
+              <a:off x="3316347" y="3255400"/>
               <a:ext cx="397326" cy="104884"/>
             </a:xfrm>
             <a:prstGeom prst="rect">
@@ -3712,52 +3677,6 @@
                   <a:cs typeface="Arial"/>
                 </a:rPr>
                 <a:t>RCT (4)</a:t>
-              </a:r>
-            </a:p>
-          </p:txBody>
-        </p:sp>
-        <p:sp>
-          <p:nvSpPr>
-            <p:cNvPr id="18" name="tx18"/>
-            <p:cNvSpPr/>
-            <p:nvPr/>
-          </p:nvSpPr>
-          <p:spPr>
-            <a:xfrm>
-              <a:off x="3349685" y="3365128"/>
-              <a:ext cx="1012279" cy="104884"/>
-            </a:xfrm>
-            <a:prstGeom prst="rect">
-              <a:avLst/>
-            </a:prstGeom>
-            <a:noFill/>
-          </p:spPr>
-          <p:txBody>
-            <a:bodyPr lIns="0" rIns="0" tIns="0" bIns="0" anchorCtr="1" anchor="ctr" wrap="none"/>
-            <a:lstStyle/>
-            <a:p>
-              <a:pPr algn="l" marL="0" marR="0" indent="0">
-                <a:lnSpc>
-                  <a:spcPts val="880"/>
-                </a:lnSpc>
-                <a:spcBef>
-                  <a:spcPts val="0"/>
-                </a:spcBef>
-                <a:spcAft>
-                  <a:spcPts val="0"/>
-                </a:spcAft>
-              </a:pPr>
-              <a:r>
-                <a:rPr sz="880">
-                  <a:solidFill>
-                    <a:srgbClr val="000000">
-                      <a:alpha val="100000"/>
-                    </a:srgbClr>
-                  </a:solidFill>
-                  <a:latin typeface="Arial"/>
-                  <a:cs typeface="Arial"/>
-                </a:rPr>
-                <a:t>Sytematic review (1)</a:t>
               </a:r>
             </a:p>
           </p:txBody>

--- a/outputs/legend_stud_paper.pptx
+++ b/outputs/legend_stud_paper.pptx
@@ -4,8 +4,8 @@
   <p:sldMasterIdLst>
     <p:sldMasterId id="2147483648" r:id="rId1"/>
   </p:sldMasterIdLst>
-  <p:sldIdLst xmlns:a="http://schemas.openxmlformats.org/drawingml/2006/main" xmlns:r="http://schemas.openxmlformats.org/officeDocument/2006/relationships" xmlns:p="http://schemas.openxmlformats.org/presentationml/2006/main">
-    <p:sldId id="256" r:id="rId6"/>
+  <p:sldIdLst>
+    <p:sldId id="256" r:id="rId2"/>
   </p:sldIdLst>
   <p:sldSz cx="7562850" cy="5330825"/>
   <p:notesSz cx="6858000" cy="9144000"/>
@@ -104,6 +104,22 @@
       </a:defRPr>
     </a:lvl9pPr>
   </p:defaultTextStyle>
+  <p:extLst>
+    <p:ext uri="{EFAFB233-063F-42B5-8137-9DF3F51BA10A}">
+      <p15:sldGuideLst xmlns:p15="http://schemas.microsoft.com/office/powerpoint/2012/main">
+        <p15:guide id="1" orient="horz" pos="1679">
+          <p15:clr>
+            <a:srgbClr val="A4A3A4"/>
+          </p15:clr>
+        </p15:guide>
+        <p15:guide id="2" pos="2382">
+          <p15:clr>
+            <a:srgbClr val="A4A3A4"/>
+          </p15:clr>
+        </p15:guide>
+      </p15:sldGuideLst>
+    </p:ext>
+  </p:extLst>
 </p:presentation>
 </file>
 
@@ -145,7 +161,7 @@
           <a:lstStyle/>
           <a:p>
             <a:r>
-              <a:rPr lang="en-US" smtClean="0"/>
+              <a:rPr lang="en-US"/>
               <a:t>Click to edit Master title style</a:t>
             </a:r>
             <a:endParaRPr lang="en-GB"/>
@@ -264,7 +280,7 @@
           </a:lstStyle>
           <a:p>
             <a:r>
-              <a:rPr lang="en-US" smtClean="0"/>
+              <a:rPr lang="en-US"/>
               <a:t>Click to edit Master subtitle style</a:t>
             </a:r>
             <a:endParaRPr lang="en-GB"/>
@@ -288,7 +304,7 @@
           <a:p>
             <a:fld id="{6BA5D40C-A8DC-479A-A5D3-E7B4936A184B}" type="datetimeFigureOut">
               <a:rPr lang="en-GB" smtClean="0"/>
-              <a:t>15/07/2015</a:t>
+              <a:t>03/09/2020</a:t>
             </a:fld>
             <a:endParaRPr lang="en-GB"/>
           </a:p>
@@ -382,7 +398,7 @@
           <a:lstStyle/>
           <a:p>
             <a:r>
-              <a:rPr lang="en-US" smtClean="0"/>
+              <a:rPr lang="en-US"/>
               <a:t>Click to edit Master title style</a:t>
             </a:r>
             <a:endParaRPr lang="en-GB"/>
@@ -406,35 +422,35 @@
           <a:p>
             <a:pPr lvl="0"/>
             <a:r>
-              <a:rPr lang="en-US" smtClean="0"/>
+              <a:rPr lang="en-US"/>
               <a:t>Click to edit Master text styles</a:t>
             </a:r>
           </a:p>
           <a:p>
             <a:pPr lvl="1"/>
             <a:r>
-              <a:rPr lang="en-US" smtClean="0"/>
+              <a:rPr lang="en-US"/>
               <a:t>Second level</a:t>
             </a:r>
           </a:p>
           <a:p>
             <a:pPr lvl="2"/>
             <a:r>
-              <a:rPr lang="en-US" smtClean="0"/>
+              <a:rPr lang="en-US"/>
               <a:t>Third level</a:t>
             </a:r>
           </a:p>
           <a:p>
             <a:pPr lvl="3"/>
             <a:r>
-              <a:rPr lang="en-US" smtClean="0"/>
+              <a:rPr lang="en-US"/>
               <a:t>Fourth level</a:t>
             </a:r>
           </a:p>
           <a:p>
             <a:pPr lvl="4"/>
             <a:r>
-              <a:rPr lang="en-US" smtClean="0"/>
+              <a:rPr lang="en-US"/>
               <a:t>Fifth level</a:t>
             </a:r>
             <a:endParaRPr lang="en-GB"/>
@@ -458,7 +474,7 @@
           <a:p>
             <a:fld id="{6BA5D40C-A8DC-479A-A5D3-E7B4936A184B}" type="datetimeFigureOut">
               <a:rPr lang="en-GB" smtClean="0"/>
-              <a:t>15/07/2015</a:t>
+              <a:t>03/09/2020</a:t>
             </a:fld>
             <a:endParaRPr lang="en-GB"/>
           </a:p>
@@ -557,7 +573,7 @@
           <a:lstStyle/>
           <a:p>
             <a:r>
-              <a:rPr lang="en-US" smtClean="0"/>
+              <a:rPr lang="en-US"/>
               <a:t>Click to edit Master title style</a:t>
             </a:r>
             <a:endParaRPr lang="en-GB"/>
@@ -586,35 +602,35 @@
           <a:p>
             <a:pPr lvl="0"/>
             <a:r>
-              <a:rPr lang="en-US" smtClean="0"/>
+              <a:rPr lang="en-US"/>
               <a:t>Click to edit Master text styles</a:t>
             </a:r>
           </a:p>
           <a:p>
             <a:pPr lvl="1"/>
             <a:r>
-              <a:rPr lang="en-US" smtClean="0"/>
+              <a:rPr lang="en-US"/>
               <a:t>Second level</a:t>
             </a:r>
           </a:p>
           <a:p>
             <a:pPr lvl="2"/>
             <a:r>
-              <a:rPr lang="en-US" smtClean="0"/>
+              <a:rPr lang="en-US"/>
               <a:t>Third level</a:t>
             </a:r>
           </a:p>
           <a:p>
             <a:pPr lvl="3"/>
             <a:r>
-              <a:rPr lang="en-US" smtClean="0"/>
+              <a:rPr lang="en-US"/>
               <a:t>Fourth level</a:t>
             </a:r>
           </a:p>
           <a:p>
             <a:pPr lvl="4"/>
             <a:r>
-              <a:rPr lang="en-US" smtClean="0"/>
+              <a:rPr lang="en-US"/>
               <a:t>Fifth level</a:t>
             </a:r>
             <a:endParaRPr lang="en-GB"/>
@@ -638,7 +654,7 @@
           <a:p>
             <a:fld id="{6BA5D40C-A8DC-479A-A5D3-E7B4936A184B}" type="datetimeFigureOut">
               <a:rPr lang="en-GB" smtClean="0"/>
-              <a:t>15/07/2015</a:t>
+              <a:t>03/09/2020</a:t>
             </a:fld>
             <a:endParaRPr lang="en-GB"/>
           </a:p>
@@ -732,7 +748,7 @@
           <a:lstStyle/>
           <a:p>
             <a:r>
-              <a:rPr lang="en-US" smtClean="0"/>
+              <a:rPr lang="en-US"/>
               <a:t>Click to edit Master title style</a:t>
             </a:r>
             <a:endParaRPr lang="en-GB"/>
@@ -756,35 +772,35 @@
           <a:p>
             <a:pPr lvl="0"/>
             <a:r>
-              <a:rPr lang="en-US" smtClean="0"/>
+              <a:rPr lang="en-US"/>
               <a:t>Click to edit Master text styles</a:t>
             </a:r>
           </a:p>
           <a:p>
             <a:pPr lvl="1"/>
             <a:r>
-              <a:rPr lang="en-US" smtClean="0"/>
+              <a:rPr lang="en-US"/>
               <a:t>Second level</a:t>
             </a:r>
           </a:p>
           <a:p>
             <a:pPr lvl="2"/>
             <a:r>
-              <a:rPr lang="en-US" smtClean="0"/>
+              <a:rPr lang="en-US"/>
               <a:t>Third level</a:t>
             </a:r>
           </a:p>
           <a:p>
             <a:pPr lvl="3"/>
             <a:r>
-              <a:rPr lang="en-US" smtClean="0"/>
+              <a:rPr lang="en-US"/>
               <a:t>Fourth level</a:t>
             </a:r>
           </a:p>
           <a:p>
             <a:pPr lvl="4"/>
             <a:r>
-              <a:rPr lang="en-US" smtClean="0"/>
+              <a:rPr lang="en-US"/>
               <a:t>Fifth level</a:t>
             </a:r>
             <a:endParaRPr lang="en-GB"/>
@@ -808,7 +824,7 @@
           <a:p>
             <a:fld id="{6BA5D40C-A8DC-479A-A5D3-E7B4936A184B}" type="datetimeFigureOut">
               <a:rPr lang="en-GB" smtClean="0"/>
-              <a:t>15/07/2015</a:t>
+              <a:t>03/09/2020</a:t>
             </a:fld>
             <a:endParaRPr lang="en-GB"/>
           </a:p>
@@ -911,7 +927,7 @@
           </a:lstStyle>
           <a:p>
             <a:r>
-              <a:rPr lang="en-US" smtClean="0"/>
+              <a:rPr lang="en-US"/>
               <a:t>Click to edit Master title style</a:t>
             </a:r>
             <a:endParaRPr lang="en-GB"/>
@@ -1031,7 +1047,7 @@
           <a:p>
             <a:pPr lvl="0"/>
             <a:r>
-              <a:rPr lang="en-US" smtClean="0"/>
+              <a:rPr lang="en-US"/>
               <a:t>Click to edit Master text styles</a:t>
             </a:r>
           </a:p>
@@ -1054,7 +1070,7 @@
           <a:p>
             <a:fld id="{6BA5D40C-A8DC-479A-A5D3-E7B4936A184B}" type="datetimeFigureOut">
               <a:rPr lang="en-GB" smtClean="0"/>
-              <a:t>15/07/2015</a:t>
+              <a:t>03/09/2020</a:t>
             </a:fld>
             <a:endParaRPr lang="en-GB"/>
           </a:p>
@@ -1148,7 +1164,7 @@
           <a:lstStyle/>
           <a:p>
             <a:r>
-              <a:rPr lang="en-US" smtClean="0"/>
+              <a:rPr lang="en-US"/>
               <a:t>Click to edit Master title style</a:t>
             </a:r>
             <a:endParaRPr lang="en-GB"/>
@@ -1205,35 +1221,35 @@
           <a:p>
             <a:pPr lvl="0"/>
             <a:r>
-              <a:rPr lang="en-US" smtClean="0"/>
+              <a:rPr lang="en-US"/>
               <a:t>Click to edit Master text styles</a:t>
             </a:r>
           </a:p>
           <a:p>
             <a:pPr lvl="1"/>
             <a:r>
-              <a:rPr lang="en-US" smtClean="0"/>
+              <a:rPr lang="en-US"/>
               <a:t>Second level</a:t>
             </a:r>
           </a:p>
           <a:p>
             <a:pPr lvl="2"/>
             <a:r>
-              <a:rPr lang="en-US" smtClean="0"/>
+              <a:rPr lang="en-US"/>
               <a:t>Third level</a:t>
             </a:r>
           </a:p>
           <a:p>
             <a:pPr lvl="3"/>
             <a:r>
-              <a:rPr lang="en-US" smtClean="0"/>
+              <a:rPr lang="en-US"/>
               <a:t>Fourth level</a:t>
             </a:r>
           </a:p>
           <a:p>
             <a:pPr lvl="4"/>
             <a:r>
-              <a:rPr lang="en-US" smtClean="0"/>
+              <a:rPr lang="en-US"/>
               <a:t>Fifth level</a:t>
             </a:r>
             <a:endParaRPr lang="en-GB"/>
@@ -1290,35 +1306,35 @@
           <a:p>
             <a:pPr lvl="0"/>
             <a:r>
-              <a:rPr lang="en-US" smtClean="0"/>
+              <a:rPr lang="en-US"/>
               <a:t>Click to edit Master text styles</a:t>
             </a:r>
           </a:p>
           <a:p>
             <a:pPr lvl="1"/>
             <a:r>
-              <a:rPr lang="en-US" smtClean="0"/>
+              <a:rPr lang="en-US"/>
               <a:t>Second level</a:t>
             </a:r>
           </a:p>
           <a:p>
             <a:pPr lvl="2"/>
             <a:r>
-              <a:rPr lang="en-US" smtClean="0"/>
+              <a:rPr lang="en-US"/>
               <a:t>Third level</a:t>
             </a:r>
           </a:p>
           <a:p>
             <a:pPr lvl="3"/>
             <a:r>
-              <a:rPr lang="en-US" smtClean="0"/>
+              <a:rPr lang="en-US"/>
               <a:t>Fourth level</a:t>
             </a:r>
           </a:p>
           <a:p>
             <a:pPr lvl="4"/>
             <a:r>
-              <a:rPr lang="en-US" smtClean="0"/>
+              <a:rPr lang="en-US"/>
               <a:t>Fifth level</a:t>
             </a:r>
             <a:endParaRPr lang="en-GB"/>
@@ -1342,7 +1358,7 @@
           <a:p>
             <a:fld id="{6BA5D40C-A8DC-479A-A5D3-E7B4936A184B}" type="datetimeFigureOut">
               <a:rPr lang="en-GB" smtClean="0"/>
-              <a:t>15/07/2015</a:t>
+              <a:t>03/09/2020</a:t>
             </a:fld>
             <a:endParaRPr lang="en-GB"/>
           </a:p>
@@ -1445,7 +1461,7 @@
           </a:lstStyle>
           <a:p>
             <a:r>
-              <a:rPr lang="en-US" smtClean="0"/>
+              <a:rPr lang="en-US"/>
               <a:t>Click to edit Master title style</a:t>
             </a:r>
             <a:endParaRPr lang="en-GB"/>
@@ -1511,7 +1527,7 @@
           <a:p>
             <a:pPr lvl="0"/>
             <a:r>
-              <a:rPr lang="en-US" smtClean="0"/>
+              <a:rPr lang="en-US"/>
               <a:t>Click to edit Master text styles</a:t>
             </a:r>
           </a:p>
@@ -1567,35 +1583,35 @@
           <a:p>
             <a:pPr lvl="0"/>
             <a:r>
-              <a:rPr lang="en-US" smtClean="0"/>
+              <a:rPr lang="en-US"/>
               <a:t>Click to edit Master text styles</a:t>
             </a:r>
           </a:p>
           <a:p>
             <a:pPr lvl="1"/>
             <a:r>
-              <a:rPr lang="en-US" smtClean="0"/>
+              <a:rPr lang="en-US"/>
               <a:t>Second level</a:t>
             </a:r>
           </a:p>
           <a:p>
             <a:pPr lvl="2"/>
             <a:r>
-              <a:rPr lang="en-US" smtClean="0"/>
+              <a:rPr lang="en-US"/>
               <a:t>Third level</a:t>
             </a:r>
           </a:p>
           <a:p>
             <a:pPr lvl="3"/>
             <a:r>
-              <a:rPr lang="en-US" smtClean="0"/>
+              <a:rPr lang="en-US"/>
               <a:t>Fourth level</a:t>
             </a:r>
           </a:p>
           <a:p>
             <a:pPr lvl="4"/>
             <a:r>
-              <a:rPr lang="en-US" smtClean="0"/>
+              <a:rPr lang="en-US"/>
               <a:t>Fifth level</a:t>
             </a:r>
             <a:endParaRPr lang="en-GB"/>
@@ -1661,7 +1677,7 @@
           <a:p>
             <a:pPr lvl="0"/>
             <a:r>
-              <a:rPr lang="en-US" smtClean="0"/>
+              <a:rPr lang="en-US"/>
               <a:t>Click to edit Master text styles</a:t>
             </a:r>
           </a:p>
@@ -1717,35 +1733,35 @@
           <a:p>
             <a:pPr lvl="0"/>
             <a:r>
-              <a:rPr lang="en-US" smtClean="0"/>
+              <a:rPr lang="en-US"/>
               <a:t>Click to edit Master text styles</a:t>
             </a:r>
           </a:p>
           <a:p>
             <a:pPr lvl="1"/>
             <a:r>
-              <a:rPr lang="en-US" smtClean="0"/>
+              <a:rPr lang="en-US"/>
               <a:t>Second level</a:t>
             </a:r>
           </a:p>
           <a:p>
             <a:pPr lvl="2"/>
             <a:r>
-              <a:rPr lang="en-US" smtClean="0"/>
+              <a:rPr lang="en-US"/>
               <a:t>Third level</a:t>
             </a:r>
           </a:p>
           <a:p>
             <a:pPr lvl="3"/>
             <a:r>
-              <a:rPr lang="en-US" smtClean="0"/>
+              <a:rPr lang="en-US"/>
               <a:t>Fourth level</a:t>
             </a:r>
           </a:p>
           <a:p>
             <a:pPr lvl="4"/>
             <a:r>
-              <a:rPr lang="en-US" smtClean="0"/>
+              <a:rPr lang="en-US"/>
               <a:t>Fifth level</a:t>
             </a:r>
             <a:endParaRPr lang="en-GB"/>
@@ -1769,7 +1785,7 @@
           <a:p>
             <a:fld id="{6BA5D40C-A8DC-479A-A5D3-E7B4936A184B}" type="datetimeFigureOut">
               <a:rPr lang="en-GB" smtClean="0"/>
-              <a:t>15/07/2015</a:t>
+              <a:t>03/09/2020</a:t>
             </a:fld>
             <a:endParaRPr lang="en-GB"/>
           </a:p>
@@ -1863,7 +1879,7 @@
           <a:lstStyle/>
           <a:p>
             <a:r>
-              <a:rPr lang="en-US" smtClean="0"/>
+              <a:rPr lang="en-US"/>
               <a:t>Click to edit Master title style</a:t>
             </a:r>
             <a:endParaRPr lang="en-GB"/>
@@ -1887,7 +1903,7 @@
           <a:p>
             <a:fld id="{6BA5D40C-A8DC-479A-A5D3-E7B4936A184B}" type="datetimeFigureOut">
               <a:rPr lang="en-GB" smtClean="0"/>
-              <a:t>15/07/2015</a:t>
+              <a:t>03/09/2020</a:t>
             </a:fld>
             <a:endParaRPr lang="en-GB"/>
           </a:p>
@@ -1982,7 +1998,7 @@
           <a:p>
             <a:fld id="{6BA5D40C-A8DC-479A-A5D3-E7B4936A184B}" type="datetimeFigureOut">
               <a:rPr lang="en-GB" smtClean="0"/>
-              <a:t>15/07/2015</a:t>
+              <a:t>03/09/2020</a:t>
             </a:fld>
             <a:endParaRPr lang="en-GB"/>
           </a:p>
@@ -2085,7 +2101,7 @@
           </a:lstStyle>
           <a:p>
             <a:r>
-              <a:rPr lang="en-US" smtClean="0"/>
+              <a:rPr lang="en-US"/>
               <a:t>Click to edit Master title style</a:t>
             </a:r>
             <a:endParaRPr lang="en-GB"/>
@@ -2142,35 +2158,35 @@
           <a:p>
             <a:pPr lvl="0"/>
             <a:r>
-              <a:rPr lang="en-US" smtClean="0"/>
+              <a:rPr lang="en-US"/>
               <a:t>Click to edit Master text styles</a:t>
             </a:r>
           </a:p>
           <a:p>
             <a:pPr lvl="1"/>
             <a:r>
-              <a:rPr lang="en-US" smtClean="0"/>
+              <a:rPr lang="en-US"/>
               <a:t>Second level</a:t>
             </a:r>
           </a:p>
           <a:p>
             <a:pPr lvl="2"/>
             <a:r>
-              <a:rPr lang="en-US" smtClean="0"/>
+              <a:rPr lang="en-US"/>
               <a:t>Third level</a:t>
             </a:r>
           </a:p>
           <a:p>
             <a:pPr lvl="3"/>
             <a:r>
-              <a:rPr lang="en-US" smtClean="0"/>
+              <a:rPr lang="en-US"/>
               <a:t>Fourth level</a:t>
             </a:r>
           </a:p>
           <a:p>
             <a:pPr lvl="4"/>
             <a:r>
-              <a:rPr lang="en-US" smtClean="0"/>
+              <a:rPr lang="en-US"/>
               <a:t>Fifth level</a:t>
             </a:r>
             <a:endParaRPr lang="en-GB"/>
@@ -2236,7 +2252,7 @@
           <a:p>
             <a:pPr lvl="0"/>
             <a:r>
-              <a:rPr lang="en-US" smtClean="0"/>
+              <a:rPr lang="en-US"/>
               <a:t>Click to edit Master text styles</a:t>
             </a:r>
           </a:p>
@@ -2259,7 +2275,7 @@
           <a:p>
             <a:fld id="{6BA5D40C-A8DC-479A-A5D3-E7B4936A184B}" type="datetimeFigureOut">
               <a:rPr lang="en-GB" smtClean="0"/>
-              <a:t>15/07/2015</a:t>
+              <a:t>03/09/2020</a:t>
             </a:fld>
             <a:endParaRPr lang="en-GB"/>
           </a:p>
@@ -2362,7 +2378,7 @@
           </a:lstStyle>
           <a:p>
             <a:r>
-              <a:rPr lang="en-US" smtClean="0"/>
+              <a:rPr lang="en-US"/>
               <a:t>Click to edit Master title style</a:t>
             </a:r>
             <a:endParaRPr lang="en-GB"/>
@@ -2489,7 +2505,7 @@
           <a:p>
             <a:pPr lvl="0"/>
             <a:r>
-              <a:rPr lang="en-US" smtClean="0"/>
+              <a:rPr lang="en-US"/>
               <a:t>Click to edit Master text styles</a:t>
             </a:r>
           </a:p>
@@ -2512,7 +2528,7 @@
           <a:p>
             <a:fld id="{6BA5D40C-A8DC-479A-A5D3-E7B4936A184B}" type="datetimeFigureOut">
               <a:rPr lang="en-GB" smtClean="0"/>
-              <a:t>15/07/2015</a:t>
+              <a:t>03/09/2020</a:t>
             </a:fld>
             <a:endParaRPr lang="en-GB"/>
           </a:p>
@@ -2621,7 +2637,7 @@
           <a:lstStyle/>
           <a:p>
             <a:r>
-              <a:rPr lang="en-US" smtClean="0"/>
+              <a:rPr lang="en-US"/>
               <a:t>Click to edit Master title style</a:t>
             </a:r>
             <a:endParaRPr lang="en-GB"/>
@@ -2655,35 +2671,35 @@
           <a:p>
             <a:pPr lvl="0"/>
             <a:r>
-              <a:rPr lang="en-US" smtClean="0"/>
+              <a:rPr lang="en-US"/>
               <a:t>Click to edit Master text styles</a:t>
             </a:r>
           </a:p>
           <a:p>
             <a:pPr lvl="1"/>
             <a:r>
-              <a:rPr lang="en-US" smtClean="0"/>
+              <a:rPr lang="en-US"/>
               <a:t>Second level</a:t>
             </a:r>
           </a:p>
           <a:p>
             <a:pPr lvl="2"/>
             <a:r>
-              <a:rPr lang="en-US" smtClean="0"/>
+              <a:rPr lang="en-US"/>
               <a:t>Third level</a:t>
             </a:r>
           </a:p>
           <a:p>
             <a:pPr lvl="3"/>
             <a:r>
-              <a:rPr lang="en-US" smtClean="0"/>
+              <a:rPr lang="en-US"/>
               <a:t>Fourth level</a:t>
             </a:r>
           </a:p>
           <a:p>
             <a:pPr lvl="4"/>
             <a:r>
-              <a:rPr lang="en-US" smtClean="0"/>
+              <a:rPr lang="en-US"/>
               <a:t>Fifth level</a:t>
             </a:r>
             <a:endParaRPr lang="en-GB"/>
@@ -2725,7 +2741,7 @@
           <a:p>
             <a:fld id="{6BA5D40C-A8DC-479A-A5D3-E7B4936A184B}" type="datetimeFigureOut">
               <a:rPr lang="en-GB" smtClean="0"/>
-              <a:t>15/07/2015</a:t>
+              <a:t>03/09/2020</a:t>
             </a:fld>
             <a:endParaRPr lang="en-GB"/>
           </a:p>
@@ -3100,55 +3116,20 @@
           <a:chExt cx="0" cy="0"/>
         </a:xfrm>
       </p:grpSpPr>
-      <p:grpSp xmlns:a="http://schemas.openxmlformats.org/drawingml/2006/main" xmlns:r="http://schemas.openxmlformats.org/officeDocument/2006/relationships" xmlns:p="http://schemas.openxmlformats.org/presentationml/2006/main" xmlns:pic="http://schemas.openxmlformats.org/drawingml/2006/picture">
+      <p:grpSp>
         <p:nvGrpSpPr>
-          <p:cNvPr id="2" name=""/>
+          <p:cNvPr id="2" name="Group 1"/>
           <p:cNvGrpSpPr/>
           <p:nvPr/>
         </p:nvGrpSpPr>
         <p:grpSpPr>
           <a:xfrm>
-            <a:off x="1190625" y="1079500"/>
-            <a:ext cx="5181600" cy="3171825"/>
-            <a:chOff x="1190625" y="1079500"/>
-            <a:chExt cx="5181600" cy="3171825"/>
+            <a:off x="3027302" y="1891144"/>
+            <a:ext cx="1462852" cy="1501393"/>
+            <a:chOff x="3027302" y="1891144"/>
+            <a:chExt cx="1462852" cy="1501393"/>
           </a:xfrm>
         </p:grpSpPr>
-        <p:sp>
-          <p:nvSpPr>
-            <p:cNvPr id="3" name="rc3"/>
-            <p:cNvSpPr/>
-            <p:nvPr/>
-          </p:nvSpPr>
-          <p:spPr>
-            <a:xfrm>
-              <a:off x="1190625" y="1079499"/>
-              <a:ext cx="5181599" cy="3171825"/>
-            </a:xfrm>
-            <a:prstGeom prst="rect">
-              <a:avLst/>
-            </a:prstGeom>
-            <a:solidFill>
-              <a:srgbClr val="FFFFFF">
-                <a:alpha val="100000"/>
-              </a:srgbClr>
-            </a:solidFill>
-            <a:ln w="9525" cap="rnd">
-              <a:solidFill>
-                <a:srgbClr val="FFFFFF">
-                  <a:alpha val="100000"/>
-                </a:srgbClr>
-              </a:solidFill>
-              <a:prstDash val="solid"/>
-              <a:round/>
-            </a:ln>
-          </p:spPr>
-          <p:txBody>
-            <a:bodyPr/>
-            <a:lstStyle/>
-            <a:p/>
-          </p:txBody>
-        </p:sp>
         <p:sp>
           <p:nvSpPr>
             <p:cNvPr id="4" name="tx4"/>
@@ -3166,10 +3147,10 @@
             <a:noFill/>
           </p:spPr>
           <p:txBody>
-            <a:bodyPr lIns="0" rIns="0" tIns="0" bIns="0" anchorCtr="1" anchor="ctr" wrap="none"/>
+            <a:bodyPr wrap="none" lIns="0" tIns="0" rIns="0" bIns="0" anchor="ctr" anchorCtr="1"/>
             <a:lstStyle/>
             <a:p>
-              <a:pPr algn="l" marL="0" marR="0" indent="0">
+              <a:pPr marL="0" marR="0" indent="0" algn="l">
                 <a:lnSpc>
                   <a:spcPts val="1100"/>
                 </a:lnSpc>
@@ -3181,7 +3162,7 @@
                 </a:spcAft>
               </a:pPr>
               <a:r>
-                <a:rPr sz="1100">
+                <a:rPr sz="1100" dirty="0">
                   <a:solidFill>
                     <a:srgbClr val="000000">
                       <a:alpha val="100000"/>
@@ -3227,7 +3208,9 @@
           <p:txBody>
             <a:bodyPr/>
             <a:lstStyle/>
-            <a:p/>
+            <a:p>
+              <a:endParaRPr/>
+            </a:p>
           </p:txBody>
         </p:sp>
         <p:sp>
@@ -3262,7 +3245,9 @@
           <p:txBody>
             <a:bodyPr/>
             <a:lstStyle/>
-            <a:p/>
+            <a:p>
+              <a:endParaRPr/>
+            </a:p>
           </p:txBody>
         </p:sp>
         <p:sp>
@@ -3297,7 +3282,9 @@
           <p:txBody>
             <a:bodyPr/>
             <a:lstStyle/>
-            <a:p/>
+            <a:p>
+              <a:endParaRPr/>
+            </a:p>
           </p:txBody>
         </p:sp>
         <p:sp>
@@ -3332,7 +3319,9 @@
           <p:txBody>
             <a:bodyPr/>
             <a:lstStyle/>
-            <a:p/>
+            <a:p>
+              <a:endParaRPr/>
+            </a:p>
           </p:txBody>
         </p:sp>
         <p:sp>
@@ -3367,7 +3356,9 @@
           <p:txBody>
             <a:bodyPr/>
             <a:lstStyle/>
-            <a:p/>
+            <a:p>
+              <a:endParaRPr/>
+            </a:p>
           </p:txBody>
         </p:sp>
         <p:sp>
@@ -3402,7 +3393,9 @@
           <p:txBody>
             <a:bodyPr/>
             <a:lstStyle/>
-            <a:p/>
+            <a:p>
+              <a:endParaRPr/>
+            </a:p>
           </p:txBody>
         </p:sp>
         <p:sp>
@@ -3413,7 +3406,7 @@
           </p:nvSpPr>
           <p:spPr>
             <a:xfrm>
-              <a:off x="3316347" y="2158120"/>
+              <a:off x="3316347" y="2170562"/>
               <a:ext cx="763984" cy="104884"/>
             </a:xfrm>
             <a:prstGeom prst="rect">
@@ -3422,10 +3415,10 @@
             <a:noFill/>
           </p:spPr>
           <p:txBody>
-            <a:bodyPr lIns="0" rIns="0" tIns="0" bIns="0" anchorCtr="1" anchor="ctr" wrap="none"/>
+            <a:bodyPr wrap="none" lIns="0" tIns="0" rIns="0" bIns="0" anchor="ctr" anchorCtr="1"/>
             <a:lstStyle/>
             <a:p>
-              <a:pPr algn="l" marL="0" marR="0" indent="0">
+              <a:pPr marL="0" marR="0" indent="0" algn="l">
                 <a:lnSpc>
                   <a:spcPts val="880"/>
                 </a:lnSpc>
@@ -3437,7 +3430,7 @@
                 </a:spcAft>
               </a:pPr>
               <a:r>
-                <a:rPr sz="880">
+                <a:rPr sz="880" dirty="0">
                   <a:solidFill>
                     <a:srgbClr val="000000">
                       <a:alpha val="100000"/>
@@ -3459,7 +3452,7 @@
           </p:nvSpPr>
           <p:spPr>
             <a:xfrm>
-              <a:off x="3316347" y="2377576"/>
+              <a:off x="3316347" y="2385195"/>
               <a:ext cx="1173807" cy="104884"/>
             </a:xfrm>
             <a:prstGeom prst="rect">
@@ -3468,10 +3461,10 @@
             <a:noFill/>
           </p:spPr>
           <p:txBody>
-            <a:bodyPr lIns="0" rIns="0" tIns="0" bIns="0" anchorCtr="1" anchor="ctr" wrap="none"/>
+            <a:bodyPr wrap="none" lIns="0" tIns="0" rIns="0" bIns="0" anchor="ctr" anchorCtr="1"/>
             <a:lstStyle/>
             <a:p>
-              <a:pPr algn="l" marL="0" marR="0" indent="0">
+              <a:pPr marL="0" marR="0" indent="0" algn="l">
                 <a:lnSpc>
                   <a:spcPts val="880"/>
                 </a:lnSpc>
@@ -3483,7 +3476,7 @@
                 </a:spcAft>
               </a:pPr>
               <a:r>
-                <a:rPr sz="880">
+                <a:rPr sz="880" dirty="0">
                   <a:solidFill>
                     <a:srgbClr val="000000">
                       <a:alpha val="100000"/>
@@ -3505,7 +3498,7 @@
           </p:nvSpPr>
           <p:spPr>
             <a:xfrm>
-              <a:off x="3316347" y="2597032"/>
+              <a:off x="3324865" y="2609474"/>
               <a:ext cx="993779" cy="104884"/>
             </a:xfrm>
             <a:prstGeom prst="rect">
@@ -3514,10 +3507,10 @@
             <a:noFill/>
           </p:spPr>
           <p:txBody>
-            <a:bodyPr lIns="0" rIns="0" tIns="0" bIns="0" anchorCtr="1" anchor="ctr" wrap="none"/>
+            <a:bodyPr wrap="none" lIns="0" tIns="0" rIns="0" bIns="0" anchor="ctr" anchorCtr="1"/>
             <a:lstStyle/>
             <a:p>
-              <a:pPr algn="l" marL="0" marR="0" indent="0">
+              <a:pPr marL="0" marR="0" indent="0" algn="l">
                 <a:lnSpc>
                   <a:spcPts val="880"/>
                 </a:lnSpc>
@@ -3529,7 +3522,7 @@
                 </a:spcAft>
               </a:pPr>
               <a:r>
-                <a:rPr sz="880">
+                <a:rPr sz="880" dirty="0">
                   <a:solidFill>
                     <a:srgbClr val="000000">
                       <a:alpha val="100000"/>
@@ -3551,7 +3544,7 @@
           </p:nvSpPr>
           <p:spPr>
             <a:xfrm>
-              <a:off x="3316347" y="2816488"/>
+              <a:off x="3316347" y="2828930"/>
               <a:ext cx="1068595" cy="104884"/>
             </a:xfrm>
             <a:prstGeom prst="rect">
@@ -3560,10 +3553,10 @@
             <a:noFill/>
           </p:spPr>
           <p:txBody>
-            <a:bodyPr lIns="0" rIns="0" tIns="0" bIns="0" anchorCtr="1" anchor="ctr" wrap="none"/>
+            <a:bodyPr wrap="none" lIns="0" tIns="0" rIns="0" bIns="0" anchor="ctr" anchorCtr="1"/>
             <a:lstStyle/>
             <a:p>
-              <a:pPr algn="l" marL="0" marR="0" indent="0">
+              <a:pPr marL="0" marR="0" indent="0" algn="l">
                 <a:lnSpc>
                   <a:spcPts val="880"/>
                 </a:lnSpc>
@@ -3575,7 +3568,7 @@
                 </a:spcAft>
               </a:pPr>
               <a:r>
-                <a:rPr sz="880">
+                <a:rPr sz="880" dirty="0">
                   <a:solidFill>
                     <a:srgbClr val="000000">
                       <a:alpha val="100000"/>
@@ -3597,7 +3590,7 @@
           </p:nvSpPr>
           <p:spPr>
             <a:xfrm>
-              <a:off x="3316347" y="3035944"/>
+              <a:off x="3312530" y="3048386"/>
               <a:ext cx="937790" cy="104884"/>
             </a:xfrm>
             <a:prstGeom prst="rect">
@@ -3606,10 +3599,10 @@
             <a:noFill/>
           </p:spPr>
           <p:txBody>
-            <a:bodyPr lIns="0" rIns="0" tIns="0" bIns="0" anchorCtr="1" anchor="ctr" wrap="none"/>
+            <a:bodyPr wrap="none" lIns="0" tIns="0" rIns="0" bIns="0" anchor="ctr" anchorCtr="1"/>
             <a:lstStyle/>
             <a:p>
-              <a:pPr algn="l" marL="0" marR="0" indent="0">
+              <a:pPr marL="0" marR="0" indent="0" algn="l">
                 <a:lnSpc>
                   <a:spcPts val="880"/>
                 </a:lnSpc>
@@ -3621,7 +3614,7 @@
                 </a:spcAft>
               </a:pPr>
               <a:r>
-                <a:rPr sz="880">
+                <a:rPr sz="880" dirty="0">
                   <a:solidFill>
                     <a:srgbClr val="000000">
                       <a:alpha val="100000"/>
@@ -3643,7 +3636,7 @@
           </p:nvSpPr>
           <p:spPr>
             <a:xfrm>
-              <a:off x="3316347" y="3255400"/>
+              <a:off x="3312530" y="3267842"/>
               <a:ext cx="397326" cy="104884"/>
             </a:xfrm>
             <a:prstGeom prst="rect">
@@ -3652,10 +3645,10 @@
             <a:noFill/>
           </p:spPr>
           <p:txBody>
-            <a:bodyPr lIns="0" rIns="0" tIns="0" bIns="0" anchorCtr="1" anchor="ctr" wrap="none"/>
+            <a:bodyPr wrap="none" lIns="0" tIns="0" rIns="0" bIns="0" anchor="ctr" anchorCtr="1"/>
             <a:lstStyle/>
             <a:p>
-              <a:pPr algn="l" marL="0" marR="0" indent="0">
+              <a:pPr marL="0" marR="0" indent="0" algn="l">
                 <a:lnSpc>
                   <a:spcPts val="880"/>
                 </a:lnSpc>
@@ -3667,7 +3660,7 @@
                 </a:spcAft>
               </a:pPr>
               <a:r>
-                <a:rPr sz="880">
+                <a:rPr sz="880" dirty="0">
                   <a:solidFill>
                     <a:srgbClr val="000000">
                       <a:alpha val="100000"/>

--- a/outputs/legend_stud_paper.pptx
+++ b/outputs/legend_stud_paper.pptx
@@ -304,7 +304,7 @@
           <a:p>
             <a:fld id="{6BA5D40C-A8DC-479A-A5D3-E7B4936A184B}" type="datetimeFigureOut">
               <a:rPr lang="en-GB" smtClean="0"/>
-              <a:t>03/09/2020</a:t>
+              <a:t>30/11/2020</a:t>
             </a:fld>
             <a:endParaRPr lang="en-GB"/>
           </a:p>
@@ -474,7 +474,7 @@
           <a:p>
             <a:fld id="{6BA5D40C-A8DC-479A-A5D3-E7B4936A184B}" type="datetimeFigureOut">
               <a:rPr lang="en-GB" smtClean="0"/>
-              <a:t>03/09/2020</a:t>
+              <a:t>30/11/2020</a:t>
             </a:fld>
             <a:endParaRPr lang="en-GB"/>
           </a:p>
@@ -654,7 +654,7 @@
           <a:p>
             <a:fld id="{6BA5D40C-A8DC-479A-A5D3-E7B4936A184B}" type="datetimeFigureOut">
               <a:rPr lang="en-GB" smtClean="0"/>
-              <a:t>03/09/2020</a:t>
+              <a:t>30/11/2020</a:t>
             </a:fld>
             <a:endParaRPr lang="en-GB"/>
           </a:p>
@@ -824,7 +824,7 @@
           <a:p>
             <a:fld id="{6BA5D40C-A8DC-479A-A5D3-E7B4936A184B}" type="datetimeFigureOut">
               <a:rPr lang="en-GB" smtClean="0"/>
-              <a:t>03/09/2020</a:t>
+              <a:t>30/11/2020</a:t>
             </a:fld>
             <a:endParaRPr lang="en-GB"/>
           </a:p>
@@ -1070,7 +1070,7 @@
           <a:p>
             <a:fld id="{6BA5D40C-A8DC-479A-A5D3-E7B4936A184B}" type="datetimeFigureOut">
               <a:rPr lang="en-GB" smtClean="0"/>
-              <a:t>03/09/2020</a:t>
+              <a:t>30/11/2020</a:t>
             </a:fld>
             <a:endParaRPr lang="en-GB"/>
           </a:p>
@@ -1358,7 +1358,7 @@
           <a:p>
             <a:fld id="{6BA5D40C-A8DC-479A-A5D3-E7B4936A184B}" type="datetimeFigureOut">
               <a:rPr lang="en-GB" smtClean="0"/>
-              <a:t>03/09/2020</a:t>
+              <a:t>30/11/2020</a:t>
             </a:fld>
             <a:endParaRPr lang="en-GB"/>
           </a:p>
@@ -1785,7 +1785,7 @@
           <a:p>
             <a:fld id="{6BA5D40C-A8DC-479A-A5D3-E7B4936A184B}" type="datetimeFigureOut">
               <a:rPr lang="en-GB" smtClean="0"/>
-              <a:t>03/09/2020</a:t>
+              <a:t>30/11/2020</a:t>
             </a:fld>
             <a:endParaRPr lang="en-GB"/>
           </a:p>
@@ -1903,7 +1903,7 @@
           <a:p>
             <a:fld id="{6BA5D40C-A8DC-479A-A5D3-E7B4936A184B}" type="datetimeFigureOut">
               <a:rPr lang="en-GB" smtClean="0"/>
-              <a:t>03/09/2020</a:t>
+              <a:t>30/11/2020</a:t>
             </a:fld>
             <a:endParaRPr lang="en-GB"/>
           </a:p>
@@ -1998,7 +1998,7 @@
           <a:p>
             <a:fld id="{6BA5D40C-A8DC-479A-A5D3-E7B4936A184B}" type="datetimeFigureOut">
               <a:rPr lang="en-GB" smtClean="0"/>
-              <a:t>03/09/2020</a:t>
+              <a:t>30/11/2020</a:t>
             </a:fld>
             <a:endParaRPr lang="en-GB"/>
           </a:p>
@@ -2275,7 +2275,7 @@
           <a:p>
             <a:fld id="{6BA5D40C-A8DC-479A-A5D3-E7B4936A184B}" type="datetimeFigureOut">
               <a:rPr lang="en-GB" smtClean="0"/>
-              <a:t>03/09/2020</a:t>
+              <a:t>30/11/2020</a:t>
             </a:fld>
             <a:endParaRPr lang="en-GB"/>
           </a:p>
@@ -2528,7 +2528,7 @@
           <a:p>
             <a:fld id="{6BA5D40C-A8DC-479A-A5D3-E7B4936A184B}" type="datetimeFigureOut">
               <a:rPr lang="en-GB" smtClean="0"/>
-              <a:t>03/09/2020</a:t>
+              <a:t>30/11/2020</a:t>
             </a:fld>
             <a:endParaRPr lang="en-GB"/>
           </a:p>
@@ -2741,7 +2741,7 @@
           <a:p>
             <a:fld id="{6BA5D40C-A8DC-479A-A5D3-E7B4936A184B}" type="datetimeFigureOut">
               <a:rPr lang="en-GB" smtClean="0"/>
-              <a:t>03/09/2020</a:t>
+              <a:t>30/11/2020</a:t>
             </a:fld>
             <a:endParaRPr lang="en-GB"/>
           </a:p>
@@ -3162,14 +3162,14 @@
                 </a:spcAft>
               </a:pPr>
               <a:r>
-                <a:rPr sz="1100" dirty="0">
+                <a:rPr sz="1000" dirty="0">
                   <a:solidFill>
                     <a:srgbClr val="000000">
                       <a:alpha val="100000"/>
                     </a:srgbClr>
                   </a:solidFill>
-                  <a:latin typeface="Arial"/>
-                  <a:cs typeface="Arial"/>
+                  <a:latin typeface="Times New Roman" panose="02020603050405020304" pitchFamily="18" charset="0"/>
+                  <a:cs typeface="Times New Roman" panose="02020603050405020304" pitchFamily="18" charset="0"/>
                 </a:rPr>
                 <a:t>Type of citation:</a:t>
               </a:r>
@@ -3436,8 +3436,8 @@
                       <a:alpha val="100000"/>
                     </a:srgbClr>
                   </a:solidFill>
-                  <a:latin typeface="Arial"/>
-                  <a:cs typeface="Arial"/>
+                  <a:latin typeface="Times New Roman" panose="02020603050405020304" pitchFamily="18" charset="0"/>
+                  <a:cs typeface="Times New Roman" panose="02020603050405020304" pitchFamily="18" charset="0"/>
                 </a:rPr>
                 <a:t>Toxicology (18)</a:t>
               </a:r>
@@ -3482,8 +3482,8 @@
                       <a:alpha val="100000"/>
                     </a:srgbClr>
                   </a:solidFill>
-                  <a:latin typeface="Arial"/>
-                  <a:cs typeface="Arial"/>
+                  <a:latin typeface="Times New Roman" panose="02020603050405020304" pitchFamily="18" charset="0"/>
+                  <a:cs typeface="Times New Roman" panose="02020603050405020304" pitchFamily="18" charset="0"/>
                 </a:rPr>
                 <a:t>Systematic Review (10)</a:t>
               </a:r>
@@ -3528,8 +3528,8 @@
                       <a:alpha val="100000"/>
                     </a:srgbClr>
                   </a:solidFill>
-                  <a:latin typeface="Arial"/>
-                  <a:cs typeface="Arial"/>
+                  <a:latin typeface="Times New Roman" panose="02020603050405020304" pitchFamily="18" charset="0"/>
+                  <a:cs typeface="Times New Roman" panose="02020603050405020304" pitchFamily="18" charset="0"/>
                 </a:rPr>
                 <a:t>Literature review (8)</a:t>
               </a:r>
@@ -3574,8 +3574,8 @@
                       <a:alpha val="100000"/>
                     </a:srgbClr>
                   </a:solidFill>
-                  <a:latin typeface="Arial"/>
-                  <a:cs typeface="Arial"/>
+                  <a:latin typeface="Times New Roman" panose="02020603050405020304" pitchFamily="18" charset="0"/>
+                  <a:cs typeface="Times New Roman" panose="02020603050405020304" pitchFamily="18" charset="0"/>
                 </a:rPr>
                 <a:t>Longitudinal study (8)</a:t>
               </a:r>
@@ -3620,8 +3620,8 @@
                       <a:alpha val="100000"/>
                     </a:srgbClr>
                   </a:solidFill>
-                  <a:latin typeface="Arial"/>
-                  <a:cs typeface="Arial"/>
+                  <a:latin typeface="Times New Roman" panose="02020603050405020304" pitchFamily="18" charset="0"/>
+                  <a:cs typeface="Times New Roman" panose="02020603050405020304" pitchFamily="18" charset="0"/>
                 </a:rPr>
                 <a:t>Cross-sectional (5)</a:t>
               </a:r>
@@ -3666,8 +3666,8 @@
                       <a:alpha val="100000"/>
                     </a:srgbClr>
                   </a:solidFill>
-                  <a:latin typeface="Arial"/>
-                  <a:cs typeface="Arial"/>
+                  <a:latin typeface="Times New Roman" panose="02020603050405020304" pitchFamily="18" charset="0"/>
+                  <a:cs typeface="Times New Roman" panose="02020603050405020304" pitchFamily="18" charset="0"/>
                 </a:rPr>
                 <a:t>RCT (4)</a:t>
               </a:r>
